--- a/ppt/第7章-用例建模.pptx
+++ b/ppt/第7章-用例建模.pptx
@@ -5,10 +5,10 @@
     <p:sldMasterId id="2147483923" r:id="rId1"/>
   </p:sldMasterIdLst>
   <p:notesMasterIdLst>
-    <p:notesMasterId r:id="rId26"/>
+    <p:notesMasterId r:id="rId31"/>
   </p:notesMasterIdLst>
   <p:handoutMasterIdLst>
-    <p:handoutMasterId r:id="rId27"/>
+    <p:handoutMasterId r:id="rId32"/>
   </p:handoutMasterIdLst>
   <p:sldIdLst>
     <p:sldId id="256" r:id="rId2"/>
@@ -25,16 +25,21 @@
     <p:sldId id="366" r:id="rId13"/>
     <p:sldId id="367" r:id="rId14"/>
     <p:sldId id="368" r:id="rId15"/>
-    <p:sldId id="369" r:id="rId16"/>
-    <p:sldId id="370" r:id="rId17"/>
-    <p:sldId id="372" r:id="rId18"/>
-    <p:sldId id="373" r:id="rId19"/>
-    <p:sldId id="374" r:id="rId20"/>
-    <p:sldId id="375" r:id="rId21"/>
-    <p:sldId id="376" r:id="rId22"/>
-    <p:sldId id="377" r:id="rId23"/>
-    <p:sldId id="378" r:id="rId24"/>
-    <p:sldId id="379" r:id="rId25"/>
+    <p:sldId id="381" r:id="rId16"/>
+    <p:sldId id="369" r:id="rId17"/>
+    <p:sldId id="382" r:id="rId18"/>
+    <p:sldId id="370" r:id="rId19"/>
+    <p:sldId id="372" r:id="rId20"/>
+    <p:sldId id="384" r:id="rId21"/>
+    <p:sldId id="383" r:id="rId22"/>
+    <p:sldId id="385" r:id="rId23"/>
+    <p:sldId id="373" r:id="rId24"/>
+    <p:sldId id="374" r:id="rId25"/>
+    <p:sldId id="375" r:id="rId26"/>
+    <p:sldId id="376" r:id="rId27"/>
+    <p:sldId id="377" r:id="rId28"/>
+    <p:sldId id="378" r:id="rId29"/>
+    <p:sldId id="379" r:id="rId30"/>
   </p:sldIdLst>
   <p:sldSz cx="9144000" cy="6858000" type="screen4x3"/>
   <p:notesSz cx="6858000" cy="9144000"/>
@@ -249,7 +254,7 @@
           <a:p>
             <a:fld id="{1422F3CC-357D-493A-AC3A-D56FADEA6296}" type="datetimeFigureOut">
               <a:rPr lang="zh-CN" altLang="en-US" smtClean="0"/>
-              <a:t>2018-04-03</a:t>
+              <a:t>2020-03-24</a:t>
             </a:fld>
             <a:endParaRPr lang="zh-CN" altLang="en-US"/>
           </a:p>
@@ -7325,18 +7330,17 @@
           <a:lstStyle/>
           <a:p>
             <a:r>
-              <a:rPr lang="zh-CN" altLang="en-US" sz="4400" dirty="0" smtClean="0"/>
+              <a:rPr lang="zh-CN" altLang="en-US" sz="4400" dirty="0"/>
               <a:t>第</a:t>
             </a:r>
             <a:r>
-              <a:rPr lang="en-US" altLang="zh-CN" sz="4400" dirty="0" smtClean="0"/>
+              <a:rPr lang="en-US" altLang="zh-CN" sz="4400" dirty="0"/>
               <a:t>7</a:t>
             </a:r>
             <a:r>
-              <a:rPr lang="zh-CN" altLang="en-US" sz="4400" dirty="0" smtClean="0"/>
+              <a:rPr lang="zh-CN" altLang="en-US" sz="4400" dirty="0"/>
               <a:t>章  用例建模</a:t>
             </a:r>
-            <a:endParaRPr lang="zh-CN" altLang="en-US" sz="4400" dirty="0"/>
           </a:p>
         </p:txBody>
       </p:sp>
@@ -7345,13 +7349,6 @@
   <p:clrMapOvr>
     <a:masterClrMapping/>
   </p:clrMapOvr>
-  <p:timing>
-    <p:tnLst>
-      <p:par>
-        <p:cTn id="1" dur="indefinite" restart="never" nodeType="tmRoot"/>
-      </p:par>
-    </p:tnLst>
-  </p:timing>
 </p:sld>
 </file>
 
@@ -7390,11 +7387,11 @@
           <a:lstStyle/>
           <a:p>
             <a:r>
-              <a:rPr lang="en-US" altLang="zh-CN" dirty="0" smtClean="0"/>
+              <a:rPr lang="en-US" altLang="zh-CN" dirty="0"/>
               <a:t>7.1.3 </a:t>
             </a:r>
             <a:r>
-              <a:rPr lang="zh-CN" altLang="en-US" dirty="0" smtClean="0"/>
+              <a:rPr lang="zh-CN" altLang="en-US" dirty="0"/>
               <a:t>识别用例</a:t>
             </a:r>
           </a:p>
@@ -7431,10 +7428,10 @@
               </a:spcBef>
             </a:pPr>
             <a:r>
-              <a:rPr lang="zh-CN" altLang="en-US" b="1" dirty="0" smtClean="0"/>
+              <a:rPr lang="zh-CN" altLang="en-US" b="1" dirty="0"/>
               <a:t>用例通常是参与者的一些动作，表达参与者要完成的工作。</a:t>
             </a:r>
-            <a:endParaRPr lang="en-US" altLang="zh-CN" b="1" dirty="0" smtClean="0"/>
+            <a:endParaRPr lang="en-US" altLang="zh-CN" b="1" dirty="0"/>
           </a:p>
         </p:txBody>
       </p:sp>
@@ -7657,10 +7654,9 @@
             <a:p>
               <a:pPr algn="ctr"/>
               <a:r>
-                <a:rPr lang="zh-CN" altLang="en-US" dirty="0" smtClean="0"/>
+                <a:rPr lang="zh-CN" altLang="en-US" dirty="0"/>
                 <a:t>读者</a:t>
               </a:r>
-              <a:endParaRPr lang="zh-CN" altLang="en-US" dirty="0"/>
             </a:p>
           </p:txBody>
         </p:sp>
@@ -7884,10 +7880,9 @@
             <a:p>
               <a:pPr algn="ctr"/>
               <a:r>
-                <a:rPr lang="zh-CN" altLang="en-US" dirty="0" smtClean="0"/>
+                <a:rPr lang="zh-CN" altLang="en-US" dirty="0"/>
                 <a:t>图书管理员</a:t>
               </a:r>
-              <a:endParaRPr lang="zh-CN" altLang="en-US" dirty="0"/>
             </a:p>
           </p:txBody>
         </p:sp>
@@ -8042,10 +8037,9 @@
           <a:p>
             <a:pPr algn="ctr"/>
             <a:r>
-              <a:rPr lang="zh-CN" altLang="en-US" dirty="0" smtClean="0"/>
+              <a:rPr lang="zh-CN" altLang="en-US" dirty="0"/>
               <a:t>借书</a:t>
             </a:r>
-            <a:endParaRPr lang="zh-CN" altLang="en-US" dirty="0"/>
           </a:p>
         </p:txBody>
       </p:sp>
@@ -8091,13 +8085,8 @@
             <a:pPr algn="ctr"/>
             <a:r>
               <a:rPr lang="zh-CN" altLang="en-US" dirty="0"/>
-              <a:t>还</a:t>
-            </a:r>
-            <a:r>
-              <a:rPr lang="zh-CN" altLang="en-US" dirty="0" smtClean="0"/>
-              <a:t>书</a:t>
-            </a:r>
-            <a:endParaRPr lang="zh-CN" altLang="en-US" dirty="0"/>
+              <a:t>还书</a:t>
+            </a:r>
           </a:p>
         </p:txBody>
       </p:sp>
@@ -8142,10 +8131,9 @@
           <a:p>
             <a:pPr algn="ctr"/>
             <a:r>
-              <a:rPr lang="zh-CN" altLang="en-US" dirty="0" smtClean="0"/>
+              <a:rPr lang="zh-CN" altLang="en-US" dirty="0"/>
               <a:t>维护书目</a:t>
             </a:r>
-            <a:endParaRPr lang="zh-CN" altLang="en-US" dirty="0"/>
           </a:p>
         </p:txBody>
       </p:sp>
@@ -8190,10 +8178,9 @@
           <a:p>
             <a:pPr algn="ctr"/>
             <a:r>
-              <a:rPr lang="zh-CN" altLang="en-US" dirty="0" smtClean="0"/>
+              <a:rPr lang="zh-CN" altLang="en-US" dirty="0"/>
               <a:t>维护读者信息</a:t>
             </a:r>
-            <a:endParaRPr lang="zh-CN" altLang="en-US" dirty="0"/>
           </a:p>
         </p:txBody>
       </p:sp>
@@ -8238,10 +8225,9 @@
           <a:p>
             <a:pPr algn="ctr"/>
             <a:r>
-              <a:rPr lang="zh-CN" altLang="en-US" dirty="0" smtClean="0"/>
+              <a:rPr lang="zh-CN" altLang="en-US" dirty="0"/>
               <a:t>查询书目</a:t>
             </a:r>
-            <a:endParaRPr lang="zh-CN" altLang="en-US" dirty="0"/>
           </a:p>
         </p:txBody>
       </p:sp>
@@ -8286,10 +8272,9 @@
           <a:p>
             <a:pPr algn="ctr"/>
             <a:r>
-              <a:rPr lang="zh-CN" altLang="en-US" dirty="0" smtClean="0"/>
+              <a:rPr lang="zh-CN" altLang="en-US" dirty="0"/>
               <a:t>查询借阅情况</a:t>
             </a:r>
-            <a:endParaRPr lang="zh-CN" altLang="en-US" dirty="0"/>
           </a:p>
         </p:txBody>
       </p:sp>
@@ -8334,10 +8319,9 @@
           <a:p>
             <a:pPr algn="ctr"/>
             <a:r>
-              <a:rPr lang="zh-CN" altLang="en-US" dirty="0" smtClean="0"/>
+              <a:rPr lang="zh-CN" altLang="en-US" dirty="0"/>
               <a:t>预定图书</a:t>
             </a:r>
-            <a:endParaRPr lang="zh-CN" altLang="en-US" dirty="0"/>
           </a:p>
         </p:txBody>
       </p:sp>
@@ -8382,10 +8366,9 @@
           <a:p>
             <a:pPr algn="ctr"/>
             <a:r>
-              <a:rPr lang="zh-CN" altLang="en-US" dirty="0" smtClean="0"/>
+              <a:rPr lang="zh-CN" altLang="en-US" dirty="0"/>
               <a:t>取消预定图书</a:t>
             </a:r>
-            <a:endParaRPr lang="zh-CN" altLang="en-US" dirty="0"/>
           </a:p>
         </p:txBody>
       </p:sp>
@@ -8609,13 +8592,6 @@
   <p:clrMapOvr>
     <a:masterClrMapping/>
   </p:clrMapOvr>
-  <p:timing>
-    <p:tnLst>
-      <p:par>
-        <p:cTn id="1" dur="indefinite" restart="never" nodeType="tmRoot"/>
-      </p:par>
-    </p:tnLst>
-  </p:timing>
 </p:sld>
 </file>
 
@@ -8654,7 +8630,7 @@
           <a:lstStyle/>
           <a:p>
             <a:r>
-              <a:rPr lang="zh-CN" altLang="en-US" dirty="0" smtClean="0"/>
+              <a:rPr lang="zh-CN" altLang="en-US" dirty="0"/>
               <a:t>用例识别注意事项</a:t>
             </a:r>
           </a:p>
@@ -8691,10 +8667,10 @@
               </a:spcBef>
             </a:pPr>
             <a:r>
-              <a:rPr lang="zh-CN" altLang="en-US" b="1" dirty="0" smtClean="0"/>
+              <a:rPr lang="zh-CN" altLang="en-US" b="1" dirty="0"/>
               <a:t>不能混淆用例和用例包含的步骤，不能把其中的步骤作为用例！</a:t>
             </a:r>
-            <a:endParaRPr lang="en-US" altLang="zh-CN" b="1" dirty="0" smtClean="0"/>
+            <a:endParaRPr lang="en-US" altLang="zh-CN" b="1" dirty="0"/>
           </a:p>
           <a:p>
             <a:pPr lvl="1">
@@ -8706,13 +8682,13 @@
               </a:spcBef>
             </a:pPr>
             <a:r>
-              <a:rPr lang="zh-CN" altLang="en-US" b="1" dirty="0" smtClean="0">
+              <a:rPr lang="zh-CN" altLang="en-US" b="1" dirty="0">
                 <a:latin typeface="楷体" panose="02010609060101010101" pitchFamily="49" charset="-122"/>
                 <a:ea typeface="楷体" panose="02010609060101010101" pitchFamily="49" charset="-122"/>
               </a:rPr>
               <a:t>比如，“借书”用例通常包括：用户注册，登录，检查可出借的数量，保存借书记录等。不能把这些动作看成是用例。</a:t>
             </a:r>
-            <a:endParaRPr lang="en-US" altLang="zh-CN" b="1" dirty="0" smtClean="0">
+            <a:endParaRPr lang="en-US" altLang="zh-CN" b="1" dirty="0">
               <a:latin typeface="楷体" panose="02010609060101010101" pitchFamily="49" charset="-122"/>
               <a:ea typeface="楷体" panose="02010609060101010101" pitchFamily="49" charset="-122"/>
             </a:endParaRPr>
@@ -8727,26 +8703,10 @@
               </a:spcBef>
             </a:pPr>
             <a:r>
-              <a:rPr lang="zh-CN" altLang="en-US" b="1" dirty="0" smtClean="0"/>
-              <a:t>注意区分业务</a:t>
-            </a:r>
-            <a:r>
               <a:rPr lang="zh-CN" altLang="en-US" b="1" dirty="0"/>
-              <a:t>操作</a:t>
-            </a:r>
-            <a:r>
-              <a:rPr lang="zh-CN" altLang="en-US" b="1" dirty="0" smtClean="0"/>
-              <a:t>和系统用例。不能把</a:t>
-            </a:r>
-            <a:r>
-              <a:rPr lang="zh-CN" altLang="en-US" b="1" dirty="0"/>
-              <a:t>业务用例</a:t>
-            </a:r>
-            <a:r>
-              <a:rPr lang="zh-CN" altLang="en-US" b="1" dirty="0" smtClean="0"/>
-              <a:t>看成是用例。</a:t>
-            </a:r>
-            <a:endParaRPr lang="en-US" altLang="zh-CN" b="1" dirty="0" smtClean="0"/>
+              <a:t>注意区分业务操作和系统用例。不能把业务用例看成是用例。</a:t>
+            </a:r>
+            <a:endParaRPr lang="en-US" altLang="zh-CN" b="1" dirty="0"/>
           </a:p>
           <a:p>
             <a:pPr lvl="1">
@@ -8781,13 +8741,6 @@
   <p:clrMapOvr>
     <a:masterClrMapping/>
   </p:clrMapOvr>
-  <p:timing>
-    <p:tnLst>
-      <p:par>
-        <p:cTn id="1" dur="indefinite" restart="never" nodeType="tmRoot"/>
-      </p:par>
-    </p:tnLst>
-  </p:timing>
 </p:sld>
 </file>
 
@@ -8826,11 +8779,11 @@
           <a:lstStyle/>
           <a:p>
             <a:r>
-              <a:rPr lang="en-US" altLang="zh-CN" dirty="0" smtClean="0"/>
+              <a:rPr lang="en-US" altLang="zh-CN" dirty="0"/>
               <a:t>7.2 </a:t>
             </a:r>
             <a:r>
-              <a:rPr lang="zh-CN" altLang="en-US" dirty="0" smtClean="0"/>
+              <a:rPr lang="zh-CN" altLang="en-US" dirty="0"/>
               <a:t>用例描述</a:t>
             </a:r>
           </a:p>
@@ -8862,18 +8815,18 @@
               </a:spcBef>
             </a:pPr>
             <a:r>
-              <a:rPr lang="zh-CN" altLang="en-US" b="1" dirty="0" smtClean="0"/>
+              <a:rPr lang="zh-CN" altLang="en-US" b="1" dirty="0"/>
               <a:t>用例的主要内容是文本（用例体），而不是用例图。主要工作是书写用例规约（</a:t>
             </a:r>
             <a:r>
-              <a:rPr lang="en-US" altLang="zh-CN" b="1" dirty="0" smtClean="0"/>
+              <a:rPr lang="en-US" altLang="zh-CN" b="1" dirty="0"/>
               <a:t>use case specification</a:t>
             </a:r>
             <a:r>
-              <a:rPr lang="zh-CN" altLang="en-US" b="1" dirty="0" smtClean="0"/>
+              <a:rPr lang="zh-CN" altLang="en-US" b="1" dirty="0"/>
               <a:t>）</a:t>
             </a:r>
-            <a:endParaRPr lang="en-US" altLang="zh-CN" b="1" dirty="0" smtClean="0"/>
+            <a:endParaRPr lang="en-US" altLang="zh-CN" b="1" dirty="0"/>
           </a:p>
           <a:p>
             <a:pPr lvl="1">
@@ -8885,10 +8838,10 @@
               </a:spcBef>
             </a:pPr>
             <a:r>
-              <a:rPr lang="zh-CN" altLang="en-US" b="1" dirty="0" smtClean="0"/>
+              <a:rPr lang="zh-CN" altLang="en-US" b="1" dirty="0"/>
               <a:t>用例名称</a:t>
             </a:r>
-            <a:endParaRPr lang="en-US" altLang="zh-CN" b="1" dirty="0" smtClean="0"/>
+            <a:endParaRPr lang="en-US" altLang="zh-CN" b="1" dirty="0"/>
           </a:p>
           <a:p>
             <a:pPr lvl="1">
@@ -8900,10 +8853,10 @@
               </a:spcBef>
             </a:pPr>
             <a:r>
-              <a:rPr lang="zh-CN" altLang="en-US" b="1" dirty="0" smtClean="0"/>
+              <a:rPr lang="zh-CN" altLang="en-US" b="1" dirty="0"/>
               <a:t>参与者</a:t>
             </a:r>
-            <a:endParaRPr lang="en-US" altLang="zh-CN" b="1" dirty="0" smtClean="0"/>
+            <a:endParaRPr lang="en-US" altLang="zh-CN" b="1" dirty="0"/>
           </a:p>
           <a:p>
             <a:pPr lvl="1">
@@ -8915,10 +8868,10 @@
               </a:spcBef>
             </a:pPr>
             <a:r>
-              <a:rPr lang="zh-CN" altLang="en-US" b="1" dirty="0" smtClean="0"/>
+              <a:rPr lang="zh-CN" altLang="en-US" b="1" dirty="0"/>
               <a:t>目标</a:t>
             </a:r>
-            <a:endParaRPr lang="en-US" altLang="zh-CN" b="1" dirty="0" smtClean="0"/>
+            <a:endParaRPr lang="en-US" altLang="zh-CN" b="1" dirty="0"/>
           </a:p>
           <a:p>
             <a:pPr lvl="1">
@@ -8930,11 +8883,11 @@
               </a:spcBef>
             </a:pPr>
             <a:r>
-              <a:rPr lang="zh-CN" altLang="en-US" b="1" dirty="0" smtClean="0"/>
+              <a:rPr lang="zh-CN" altLang="en-US" b="1" dirty="0"/>
               <a:t>前置条件：</a:t>
             </a:r>
             <a:r>
-              <a:rPr lang="en-US" altLang="zh-CN" b="1" dirty="0" smtClean="0"/>
+              <a:rPr lang="en-US" altLang="zh-CN" b="1" dirty="0"/>
               <a:t>pre-condition</a:t>
             </a:r>
           </a:p>
@@ -8948,10 +8901,10 @@
               </a:spcBef>
             </a:pPr>
             <a:r>
-              <a:rPr lang="zh-CN" altLang="en-US" b="1" dirty="0" smtClean="0"/>
+              <a:rPr lang="zh-CN" altLang="en-US" b="1" dirty="0"/>
               <a:t>事件流：主事件流，备选事件流。</a:t>
             </a:r>
-            <a:endParaRPr lang="en-US" altLang="zh-CN" b="1" dirty="0" smtClean="0"/>
+            <a:endParaRPr lang="en-US" altLang="zh-CN" b="1" dirty="0"/>
           </a:p>
           <a:p>
             <a:pPr lvl="1">
@@ -8963,14 +8916,14 @@
               </a:spcBef>
             </a:pPr>
             <a:r>
-              <a:rPr lang="zh-CN" altLang="en-US" b="1" dirty="0" smtClean="0"/>
+              <a:rPr lang="zh-CN" altLang="en-US" b="1" dirty="0"/>
               <a:t>后置条件</a:t>
             </a:r>
             <a:r>
-              <a:rPr lang="en-US" altLang="zh-CN" b="1" dirty="0" smtClean="0"/>
+              <a:rPr lang="en-US" altLang="zh-CN" b="1" dirty="0"/>
               <a:t>: guarantee</a:t>
             </a:r>
-            <a:endParaRPr lang="zh-CN" altLang="en-US" dirty="0" smtClean="0"/>
+            <a:endParaRPr lang="zh-CN" altLang="en-US" dirty="0"/>
           </a:p>
         </p:txBody>
       </p:sp>
@@ -8984,13 +8937,6 @@
   <p:clrMapOvr>
     <a:masterClrMapping/>
   </p:clrMapOvr>
-  <p:timing>
-    <p:tnLst>
-      <p:par>
-        <p:cTn id="1" dur="indefinite" restart="never" nodeType="tmRoot"/>
-      </p:par>
-    </p:tnLst>
-  </p:timing>
 </p:sld>
 </file>
 
@@ -9029,10 +8975,10 @@
           <a:lstStyle/>
           <a:p>
             <a:r>
-              <a:rPr lang="zh-CN" altLang="en-US" b="1" dirty="0" smtClean="0"/>
+              <a:rPr lang="zh-CN" altLang="en-US" b="1" dirty="0"/>
               <a:t>前置条件和后置条件</a:t>
             </a:r>
-            <a:endParaRPr lang="zh-CN" altLang="en-US" dirty="0" smtClean="0"/>
+            <a:endParaRPr lang="zh-CN" altLang="en-US" dirty="0"/>
           </a:p>
         </p:txBody>
       </p:sp>
@@ -9062,11 +9008,11 @@
               </a:spcBef>
             </a:pPr>
             <a:r>
-              <a:rPr lang="zh-CN" altLang="en-US" b="1" dirty="0" smtClean="0"/>
+              <a:rPr lang="zh-CN" altLang="en-US" b="1" dirty="0"/>
               <a:t>前置条件：</a:t>
             </a:r>
             <a:r>
-              <a:rPr lang="en-US" altLang="zh-CN" b="1" dirty="0" smtClean="0"/>
+              <a:rPr lang="en-US" altLang="zh-CN" b="1" dirty="0"/>
               <a:t>pre-condition</a:t>
             </a:r>
           </a:p>
@@ -9080,10 +9026,10 @@
               </a:spcBef>
             </a:pPr>
             <a:r>
-              <a:rPr lang="zh-CN" altLang="en-US" b="1" dirty="0" smtClean="0"/>
+              <a:rPr lang="zh-CN" altLang="en-US" b="1" dirty="0"/>
               <a:t>用例开始前的必备条件</a:t>
             </a:r>
-            <a:endParaRPr lang="en-US" altLang="zh-CN" b="1" dirty="0" smtClean="0"/>
+            <a:endParaRPr lang="en-US" altLang="zh-CN" b="1" dirty="0"/>
           </a:p>
           <a:p>
             <a:pPr>
@@ -9095,11 +9041,11 @@
               </a:spcBef>
             </a:pPr>
             <a:r>
-              <a:rPr lang="zh-CN" altLang="en-US" b="1" dirty="0" smtClean="0"/>
+              <a:rPr lang="zh-CN" altLang="en-US" b="1" dirty="0"/>
               <a:t>后置条件</a:t>
             </a:r>
             <a:r>
-              <a:rPr lang="en-US" altLang="zh-CN" b="1" dirty="0" smtClean="0"/>
+              <a:rPr lang="en-US" altLang="zh-CN" b="1" dirty="0"/>
               <a:t>: guarantee</a:t>
             </a:r>
           </a:p>
@@ -9113,10 +9059,10 @@
               </a:spcBef>
             </a:pPr>
             <a:r>
-              <a:rPr lang="zh-CN" altLang="en-US" b="1" dirty="0" smtClean="0"/>
+              <a:rPr lang="zh-CN" altLang="en-US" b="1" dirty="0"/>
               <a:t>用例结束时，系统应保证的结果条件。</a:t>
             </a:r>
-            <a:endParaRPr lang="en-US" altLang="zh-CN" b="1" dirty="0" smtClean="0"/>
+            <a:endParaRPr lang="en-US" altLang="zh-CN" b="1" dirty="0"/>
           </a:p>
           <a:p>
             <a:pPr lvl="1">
@@ -9128,10 +9074,10 @@
               </a:spcBef>
             </a:pPr>
             <a:r>
-              <a:rPr lang="zh-CN" altLang="en-US" b="1" dirty="0" smtClean="0"/>
+              <a:rPr lang="zh-CN" altLang="en-US" b="1" dirty="0"/>
               <a:t>例如，明细记录输入后往往需要自动统计功能。</a:t>
             </a:r>
-            <a:endParaRPr lang="zh-CN" altLang="en-US" dirty="0" smtClean="0"/>
+            <a:endParaRPr lang="zh-CN" altLang="en-US" dirty="0"/>
           </a:p>
         </p:txBody>
       </p:sp>
@@ -9145,13 +9091,6 @@
   <p:clrMapOvr>
     <a:masterClrMapping/>
   </p:clrMapOvr>
-  <p:timing>
-    <p:tnLst>
-      <p:par>
-        <p:cTn id="1" dur="indefinite" restart="never" nodeType="tmRoot"/>
-      </p:par>
-    </p:tnLst>
-  </p:timing>
 </p:sld>
 </file>
 
@@ -9190,10 +9129,10 @@
           <a:lstStyle/>
           <a:p>
             <a:r>
-              <a:rPr lang="zh-CN" altLang="en-US" b="1" dirty="0" smtClean="0"/>
+              <a:rPr lang="zh-CN" altLang="en-US" b="1" dirty="0"/>
               <a:t>主事件流</a:t>
             </a:r>
-            <a:endParaRPr lang="zh-CN" altLang="en-US" dirty="0" smtClean="0"/>
+            <a:endParaRPr lang="zh-CN" altLang="en-US" dirty="0"/>
           </a:p>
         </p:txBody>
       </p:sp>
@@ -9223,11 +9162,11 @@
               </a:spcBef>
             </a:pPr>
             <a:r>
-              <a:rPr lang="zh-CN" altLang="en-US" b="1" dirty="0" smtClean="0"/>
+              <a:rPr lang="zh-CN" altLang="en-US" b="1" dirty="0"/>
               <a:t>用例要达到目标需要经过的一系列主要活动。是主要的，基本的，典型的</a:t>
             </a:r>
             <a:r>
-              <a:rPr lang="zh-CN" altLang="en-US" b="1" dirty="0" smtClean="0">
+              <a:rPr lang="zh-CN" altLang="en-US" b="1" dirty="0">
                 <a:solidFill>
                   <a:srgbClr val="FF0000"/>
                 </a:solidFill>
@@ -9235,10 +9174,10 @@
               <a:t>成功路径</a:t>
             </a:r>
             <a:r>
-              <a:rPr lang="zh-CN" altLang="en-US" b="1" dirty="0" smtClean="0"/>
+              <a:rPr lang="zh-CN" altLang="en-US" b="1" dirty="0"/>
               <a:t>。</a:t>
             </a:r>
-            <a:endParaRPr lang="en-US" altLang="zh-CN" b="1" dirty="0" smtClean="0"/>
+            <a:endParaRPr lang="en-US" altLang="zh-CN" b="1" dirty="0"/>
           </a:p>
           <a:p>
             <a:pPr>
@@ -9250,10 +9189,10 @@
               </a:spcBef>
             </a:pPr>
             <a:r>
-              <a:rPr lang="zh-CN" altLang="en-US" b="1" dirty="0" smtClean="0"/>
+              <a:rPr lang="zh-CN" altLang="en-US" b="1" dirty="0"/>
               <a:t>通常只包括主流路径，不包括异常处理的分支路径。</a:t>
             </a:r>
-            <a:endParaRPr lang="en-US" altLang="zh-CN" b="1" dirty="0" smtClean="0"/>
+            <a:endParaRPr lang="en-US" altLang="zh-CN" b="1" dirty="0"/>
           </a:p>
           <a:p>
             <a:pPr>
@@ -9266,17 +9205,13 @@
             </a:pPr>
             <a:r>
               <a:rPr lang="zh-CN" altLang="en-US" b="1" dirty="0"/>
-              <a:t>见</a:t>
-            </a:r>
-            <a:r>
-              <a:rPr lang="zh-CN" altLang="en-US" b="1" dirty="0" smtClean="0"/>
-              <a:t>表</a:t>
-            </a:r>
-            <a:r>
-              <a:rPr lang="en-US" altLang="zh-CN" b="1" dirty="0" smtClean="0"/>
+              <a:t>见表</a:t>
+            </a:r>
+            <a:r>
+              <a:rPr lang="en-US" altLang="zh-CN" b="1" dirty="0"/>
               <a:t>7.1</a:t>
             </a:r>
-            <a:endParaRPr lang="zh-CN" altLang="en-US" dirty="0" smtClean="0"/>
+            <a:endParaRPr lang="zh-CN" altLang="en-US" dirty="0"/>
           </a:p>
         </p:txBody>
       </p:sp>
@@ -9290,13 +9225,6 @@
   <p:clrMapOvr>
     <a:masterClrMapping/>
   </p:clrMapOvr>
-  <p:timing>
-    <p:tnLst>
-      <p:par>
-        <p:cTn id="1" dur="indefinite" restart="never" nodeType="tmRoot"/>
-      </p:par>
-    </p:tnLst>
-  </p:timing>
 </p:sld>
 </file>
 
@@ -9319,9 +9247,15 @@
       </p:grpSpPr>
       <p:sp>
         <p:nvSpPr>
-          <p:cNvPr id="5122" name="Rectangle 2"/>
+          <p:cNvPr id="2" name="标题 1">
+            <a:extLst>
+              <a:ext uri="{FF2B5EF4-FFF2-40B4-BE49-F238E27FC236}">
+                <a16:creationId xmlns:a16="http://schemas.microsoft.com/office/drawing/2014/main" id="{FB6CCE38-1572-4E88-A989-6EA1482F7F11}"/>
+              </a:ext>
+            </a:extLst>
+          </p:cNvPr>
           <p:cNvSpPr>
-            <a:spLocks noGrp="1" noChangeArrowheads="1"/>
+            <a:spLocks noGrp="1"/>
           </p:cNvSpPr>
           <p:nvPr>
             <p:ph type="title"/>
@@ -9329,122 +9263,53 @@
         </p:nvSpPr>
         <p:spPr/>
         <p:txBody>
-          <a:bodyPr>
-            <a:normAutofit/>
-          </a:bodyPr>
+          <a:bodyPr/>
           <a:lstStyle/>
           <a:p>
-            <a:r>
-              <a:rPr lang="zh-CN" altLang="en-US" b="1" dirty="0"/>
-              <a:t>备选</a:t>
-            </a:r>
-            <a:r>
-              <a:rPr lang="zh-CN" altLang="en-US" b="1" dirty="0" smtClean="0"/>
-              <a:t>事件流</a:t>
-            </a:r>
-            <a:endParaRPr lang="zh-CN" altLang="en-US" dirty="0" smtClean="0"/>
-          </a:p>
-        </p:txBody>
-      </p:sp>
-      <p:sp>
-        <p:nvSpPr>
-          <p:cNvPr id="5123" name="Rectangle 3"/>
-          <p:cNvSpPr>
-            <a:spLocks noGrp="1" noChangeArrowheads="1"/>
-          </p:cNvSpPr>
-          <p:nvPr>
-            <p:ph type="body" idx="1"/>
-          </p:nvPr>
-        </p:nvSpPr>
-        <p:spPr/>
-        <p:txBody>
-          <a:bodyPr>
-            <a:normAutofit lnSpcReduction="10000"/>
-          </a:bodyPr>
-          <a:lstStyle/>
-          <a:p>
-            <a:pPr>
-              <a:lnSpc>
-                <a:spcPct val="120000"/>
-              </a:lnSpc>
-              <a:spcBef>
-                <a:spcPts val="0"/>
-              </a:spcBef>
-            </a:pPr>
-            <a:r>
-              <a:rPr lang="zh-CN" altLang="en-US" b="1" dirty="0" smtClean="0"/>
-              <a:t>系统总会有一些可能引起失败或者异常的情况要处理</a:t>
-            </a:r>
-            <a:endParaRPr lang="en-US" altLang="zh-CN" b="1" dirty="0" smtClean="0"/>
-          </a:p>
-          <a:p>
-            <a:pPr>
-              <a:lnSpc>
-                <a:spcPct val="120000"/>
-              </a:lnSpc>
-              <a:spcBef>
-                <a:spcPts val="0"/>
-              </a:spcBef>
-            </a:pPr>
-            <a:r>
-              <a:rPr lang="zh-CN" altLang="en-US" b="1" dirty="0" smtClean="0"/>
-              <a:t>为了不影响主事件流的描述，不影响用例活动清晰的主线，将这些分支处理抽取出来作为备选事件流。</a:t>
-            </a:r>
-            <a:endParaRPr lang="en-US" altLang="zh-CN" b="1" dirty="0" smtClean="0"/>
-          </a:p>
-          <a:p>
-            <a:pPr>
-              <a:lnSpc>
-                <a:spcPct val="120000"/>
-              </a:lnSpc>
-              <a:spcBef>
-                <a:spcPts val="0"/>
-              </a:spcBef>
-            </a:pPr>
-            <a:r>
-              <a:rPr lang="zh-CN" altLang="en-US" b="1" dirty="0" smtClean="0"/>
-              <a:t>备选事件流的编号规则要遵从主事件流的步骤编号。</a:t>
-            </a:r>
-            <a:endParaRPr lang="en-US" altLang="zh-CN" b="1" dirty="0" smtClean="0"/>
-          </a:p>
-          <a:p>
-            <a:pPr>
-              <a:lnSpc>
-                <a:spcPct val="120000"/>
-              </a:lnSpc>
-              <a:spcBef>
-                <a:spcPts val="0"/>
-              </a:spcBef>
-            </a:pPr>
-            <a:r>
-              <a:rPr lang="zh-CN" altLang="en-US" b="1" dirty="0" smtClean="0"/>
-              <a:t>见表</a:t>
-            </a:r>
-            <a:r>
-              <a:rPr lang="en-US" altLang="zh-CN" b="1" dirty="0" smtClean="0"/>
-              <a:t>7.2</a:t>
-            </a:r>
-            <a:endParaRPr lang="zh-CN" altLang="en-US" dirty="0" smtClean="0"/>
-          </a:p>
-        </p:txBody>
-      </p:sp>
+            <a:endParaRPr lang="zh-CN" altLang="en-US" dirty="0"/>
+          </a:p>
+        </p:txBody>
+      </p:sp>
+      <p:pic>
+        <p:nvPicPr>
+          <p:cNvPr id="4" name="图片 3">
+            <a:extLst>
+              <a:ext uri="{FF2B5EF4-FFF2-40B4-BE49-F238E27FC236}">
+                <a16:creationId xmlns:a16="http://schemas.microsoft.com/office/drawing/2014/main" id="{BF020F0D-50DA-4C28-95EC-21C6087B0D19}"/>
+              </a:ext>
+            </a:extLst>
+          </p:cNvPr>
+          <p:cNvPicPr>
+            <a:picLocks noChangeAspect="1"/>
+          </p:cNvPicPr>
+          <p:nvPr/>
+        </p:nvPicPr>
+        <p:blipFill>
+          <a:blip r:embed="rId2"/>
+          <a:stretch>
+            <a:fillRect/>
+          </a:stretch>
+        </p:blipFill>
+        <p:spPr>
+          <a:xfrm>
+            <a:off x="23117" y="388168"/>
+            <a:ext cx="9144000" cy="6081663"/>
+          </a:xfrm>
+          <a:prstGeom prst="rect">
+            <a:avLst/>
+          </a:prstGeom>
+        </p:spPr>
+      </p:pic>
     </p:spTree>
     <p:extLst>
       <p:ext uri="{BB962C8B-B14F-4D97-AF65-F5344CB8AC3E}">
-        <p14:creationId xmlns:p14="http://schemas.microsoft.com/office/powerpoint/2010/main" val="2895185989"/>
+        <p14:creationId xmlns:p14="http://schemas.microsoft.com/office/powerpoint/2010/main" val="83830610"/>
       </p:ext>
     </p:extLst>
   </p:cSld>
   <p:clrMapOvr>
     <a:masterClrMapping/>
   </p:clrMapOvr>
-  <p:timing>
-    <p:tnLst>
-      <p:par>
-        <p:cTn id="1" dur="indefinite" restart="never" nodeType="tmRoot"/>
-      </p:par>
-    </p:tnLst>
-  </p:timing>
 </p:sld>
 </file>
 
@@ -9483,10 +9348,10 @@
           <a:lstStyle/>
           <a:p>
             <a:r>
-              <a:rPr lang="zh-CN" altLang="en-US" b="1" dirty="0" smtClean="0"/>
-              <a:t>事件流的书写规则</a:t>
-            </a:r>
-            <a:endParaRPr lang="zh-CN" altLang="en-US" dirty="0" smtClean="0"/>
+              <a:rPr lang="zh-CN" altLang="en-US" b="1" dirty="0"/>
+              <a:t>备选事件流</a:t>
+            </a:r>
+            <a:endParaRPr lang="zh-CN" altLang="en-US" dirty="0"/>
           </a:p>
         </p:txBody>
       </p:sp>
@@ -9503,7 +9368,7 @@
         <p:spPr/>
         <p:txBody>
           <a:bodyPr>
-            <a:normAutofit/>
+            <a:normAutofit lnSpcReduction="10000"/>
           </a:bodyPr>
           <a:lstStyle/>
           <a:p>
@@ -9516,10 +9381,10 @@
               </a:spcBef>
             </a:pPr>
             <a:r>
-              <a:rPr lang="zh-CN" altLang="en-US" dirty="0" smtClean="0"/>
-              <a:t>简明</a:t>
-            </a:r>
-            <a:endParaRPr lang="en-US" altLang="zh-CN" dirty="0" smtClean="0"/>
+              <a:rPr lang="zh-CN" altLang="en-US" b="1" dirty="0"/>
+              <a:t>系统总会有一些可能引起失败或者异常的情况要处理</a:t>
+            </a:r>
+            <a:endParaRPr lang="en-US" altLang="zh-CN" b="1" dirty="0"/>
           </a:p>
           <a:p>
             <a:pPr>
@@ -9531,10 +9396,10 @@
               </a:spcBef>
             </a:pPr>
             <a:r>
-              <a:rPr lang="zh-CN" altLang="en-US" dirty="0" smtClean="0"/>
-              <a:t>使用主动语态</a:t>
-            </a:r>
-            <a:endParaRPr lang="en-US" altLang="zh-CN" dirty="0" smtClean="0"/>
+              <a:rPr lang="zh-CN" altLang="en-US" b="1" dirty="0"/>
+              <a:t>为了不影响主事件流的描述，不影响用例活动清晰的主线，将这些分支处理抽取出来作为备选事件流。</a:t>
+            </a:r>
+            <a:endParaRPr lang="en-US" altLang="zh-CN" b="1" dirty="0"/>
           </a:p>
           <a:p>
             <a:pPr>
@@ -9546,10 +9411,10 @@
               </a:spcBef>
             </a:pPr>
             <a:r>
-              <a:rPr lang="zh-CN" altLang="en-US" dirty="0" smtClean="0"/>
-              <a:t>从第三者的角度写参与者的动作</a:t>
-            </a:r>
-            <a:endParaRPr lang="en-US" altLang="zh-CN" dirty="0" smtClean="0"/>
+              <a:rPr lang="zh-CN" altLang="en-US" b="1" dirty="0"/>
+              <a:t>备选事件流的编号规则要遵从主事件流的步骤编号。</a:t>
+            </a:r>
+            <a:endParaRPr lang="en-US" altLang="zh-CN" b="1" dirty="0"/>
           </a:p>
           <a:p>
             <a:pPr>
@@ -9561,60 +9426,27 @@
               </a:spcBef>
             </a:pPr>
             <a:r>
-              <a:rPr lang="zh-CN" altLang="en-US" dirty="0" smtClean="0"/>
-              <a:t>描述用户的意图和系统的职责，不关注界面和细则。</a:t>
-            </a:r>
-            <a:endParaRPr lang="en-US" altLang="zh-CN" dirty="0" smtClean="0"/>
-          </a:p>
-          <a:p>
-            <a:pPr>
-              <a:lnSpc>
-                <a:spcPct val="120000"/>
-              </a:lnSpc>
-              <a:spcBef>
-                <a:spcPts val="0"/>
-              </a:spcBef>
-            </a:pPr>
-            <a:r>
-              <a:rPr lang="zh-CN" altLang="en-US" dirty="0" smtClean="0"/>
-              <a:t>主事件流使用</a:t>
-            </a:r>
-            <a:r>
-              <a:rPr lang="en-US" altLang="zh-CN" dirty="0" smtClean="0"/>
-              <a:t>”</a:t>
-            </a:r>
-            <a:r>
-              <a:rPr lang="zh-CN" altLang="en-US" dirty="0" smtClean="0"/>
-              <a:t>确认</a:t>
-            </a:r>
-            <a:r>
-              <a:rPr lang="en-US" altLang="zh-CN" dirty="0" smtClean="0"/>
-              <a:t>”</a:t>
-            </a:r>
-            <a:r>
-              <a:rPr lang="zh-CN" altLang="en-US" dirty="0" smtClean="0"/>
-              <a:t>，“验证”等积极词汇。</a:t>
-            </a:r>
+              <a:rPr lang="zh-CN" altLang="en-US" b="1" dirty="0"/>
+              <a:t>见表</a:t>
+            </a:r>
+            <a:r>
+              <a:rPr lang="en-US" altLang="zh-CN" b="1" dirty="0"/>
+              <a:t>7.2</a:t>
+            </a:r>
+            <a:endParaRPr lang="zh-CN" altLang="en-US" dirty="0"/>
           </a:p>
         </p:txBody>
       </p:sp>
     </p:spTree>
     <p:extLst>
       <p:ext uri="{BB962C8B-B14F-4D97-AF65-F5344CB8AC3E}">
-        <p14:creationId xmlns:p14="http://schemas.microsoft.com/office/powerpoint/2010/main" val="1784833127"/>
+        <p14:creationId xmlns:p14="http://schemas.microsoft.com/office/powerpoint/2010/main" val="2895185989"/>
       </p:ext>
     </p:extLst>
   </p:cSld>
   <p:clrMapOvr>
     <a:masterClrMapping/>
   </p:clrMapOvr>
-  <p:timing>
-    <p:tnLst>
-      <p:par>
-        <p:cTn id="1" dur="indefinite" restart="never" nodeType="tmRoot"/>
-      </p:par>
-    </p:tnLst>
-  </p:timing>
 </p:sld>
 </file>
 
@@ -9635,144 +9467,46 @@
           <a:chExt cx="0" cy="0"/>
         </a:xfrm>
       </p:grpSpPr>
-      <p:sp>
-        <p:nvSpPr>
-          <p:cNvPr id="5122" name="Rectangle 2"/>
-          <p:cNvSpPr>
-            <a:spLocks noGrp="1" noChangeArrowheads="1"/>
-          </p:cNvSpPr>
-          <p:nvPr>
-            <p:ph type="title"/>
-          </p:nvPr>
-        </p:nvSpPr>
-        <p:spPr/>
-        <p:txBody>
-          <a:bodyPr>
-            <a:normAutofit/>
-          </a:bodyPr>
-          <a:lstStyle/>
-          <a:p>
-            <a:r>
-              <a:rPr lang="zh-CN" altLang="en-US" b="1" dirty="0" smtClean="0"/>
-              <a:t>非功能性需求</a:t>
-            </a:r>
-            <a:endParaRPr lang="zh-CN" altLang="en-US" dirty="0" smtClean="0"/>
-          </a:p>
-        </p:txBody>
-      </p:sp>
-      <p:sp>
-        <p:nvSpPr>
-          <p:cNvPr id="5123" name="Rectangle 3"/>
-          <p:cNvSpPr>
-            <a:spLocks noGrp="1" noChangeArrowheads="1"/>
-          </p:cNvSpPr>
-          <p:nvPr>
-            <p:ph type="body" idx="1"/>
-          </p:nvPr>
-        </p:nvSpPr>
-        <p:spPr/>
-        <p:txBody>
-          <a:bodyPr>
-            <a:normAutofit/>
-          </a:bodyPr>
-          <a:lstStyle/>
-          <a:p>
-            <a:pPr>
-              <a:lnSpc>
-                <a:spcPct val="120000"/>
-              </a:lnSpc>
-              <a:spcBef>
-                <a:spcPts val="0"/>
-              </a:spcBef>
-            </a:pPr>
-            <a:r>
-              <a:rPr lang="zh-CN" altLang="en-US" dirty="0" smtClean="0"/>
-              <a:t>往往有一些与用例有关的非功能性需求，比如：</a:t>
-            </a:r>
-            <a:endParaRPr lang="en-US" altLang="zh-CN" dirty="0" smtClean="0"/>
-          </a:p>
-          <a:p>
-            <a:pPr lvl="1">
-              <a:lnSpc>
-                <a:spcPct val="120000"/>
-              </a:lnSpc>
-              <a:spcBef>
-                <a:spcPts val="0"/>
-              </a:spcBef>
-            </a:pPr>
-            <a:r>
-              <a:rPr lang="zh-CN" altLang="en-US" dirty="0" smtClean="0"/>
-              <a:t>业务规则</a:t>
-            </a:r>
-            <a:endParaRPr lang="en-US" altLang="zh-CN" dirty="0" smtClean="0"/>
-          </a:p>
-          <a:p>
-            <a:pPr lvl="1">
-              <a:lnSpc>
-                <a:spcPct val="120000"/>
-              </a:lnSpc>
-              <a:spcBef>
-                <a:spcPts val="0"/>
-              </a:spcBef>
-            </a:pPr>
-            <a:r>
-              <a:rPr lang="zh-CN" altLang="en-US" dirty="0" smtClean="0"/>
-              <a:t>质量属性</a:t>
-            </a:r>
-            <a:endParaRPr lang="en-US" altLang="zh-CN" dirty="0" smtClean="0"/>
-          </a:p>
-          <a:p>
-            <a:pPr lvl="1">
-              <a:lnSpc>
-                <a:spcPct val="120000"/>
-              </a:lnSpc>
-              <a:spcBef>
-                <a:spcPts val="0"/>
-              </a:spcBef>
-            </a:pPr>
-            <a:r>
-              <a:rPr lang="zh-CN" altLang="en-US" dirty="0" smtClean="0"/>
-              <a:t>结束条件</a:t>
-            </a:r>
-            <a:endParaRPr lang="en-US" altLang="zh-CN" dirty="0"/>
-          </a:p>
-          <a:p>
-            <a:pPr>
-              <a:lnSpc>
-                <a:spcPct val="120000"/>
-              </a:lnSpc>
-              <a:spcBef>
-                <a:spcPts val="0"/>
-              </a:spcBef>
-            </a:pPr>
-            <a:r>
-              <a:rPr lang="zh-CN" altLang="en-US" dirty="0" smtClean="0"/>
-              <a:t>需要将非功能性需求与用例事件流记录在一起。见表</a:t>
-            </a:r>
-            <a:r>
-              <a:rPr lang="en-US" altLang="zh-CN" dirty="0" smtClean="0"/>
-              <a:t>7.5</a:t>
-            </a:r>
-          </a:p>
-        </p:txBody>
-      </p:sp>
+      <p:pic>
+        <p:nvPicPr>
+          <p:cNvPr id="4" name="图片 3">
+            <a:extLst>
+              <a:ext uri="{FF2B5EF4-FFF2-40B4-BE49-F238E27FC236}">
+                <a16:creationId xmlns:a16="http://schemas.microsoft.com/office/drawing/2014/main" id="{0B59E004-14AB-4105-8673-309145A7E90F}"/>
+              </a:ext>
+            </a:extLst>
+          </p:cNvPr>
+          <p:cNvPicPr>
+            <a:picLocks noChangeAspect="1"/>
+          </p:cNvPicPr>
+          <p:nvPr/>
+        </p:nvPicPr>
+        <p:blipFill>
+          <a:blip r:embed="rId2"/>
+          <a:stretch>
+            <a:fillRect/>
+          </a:stretch>
+        </p:blipFill>
+        <p:spPr>
+          <a:xfrm>
+            <a:off x="6361" y="1340768"/>
+            <a:ext cx="9144000" cy="4520629"/>
+          </a:xfrm>
+          <a:prstGeom prst="rect">
+            <a:avLst/>
+          </a:prstGeom>
+        </p:spPr>
+      </p:pic>
     </p:spTree>
     <p:extLst>
       <p:ext uri="{BB962C8B-B14F-4D97-AF65-F5344CB8AC3E}">
-        <p14:creationId xmlns:p14="http://schemas.microsoft.com/office/powerpoint/2010/main" val="1130687266"/>
+        <p14:creationId xmlns:p14="http://schemas.microsoft.com/office/powerpoint/2010/main" val="3495097870"/>
       </p:ext>
     </p:extLst>
   </p:cSld>
   <p:clrMapOvr>
     <a:masterClrMapping/>
   </p:clrMapOvr>
-  <p:timing>
-    <p:tnLst>
-      <p:par>
-        <p:cTn id="1" dur="indefinite" restart="never" nodeType="tmRoot"/>
-      </p:par>
-    </p:tnLst>
-  </p:timing>
 </p:sld>
 </file>
 
@@ -9811,13 +9545,10 @@
           <a:lstStyle/>
           <a:p>
             <a:r>
-              <a:rPr lang="en-US" altLang="zh-CN" dirty="0" smtClean="0"/>
-              <a:t>7.3 </a:t>
-            </a:r>
-            <a:r>
-              <a:rPr lang="zh-CN" altLang="en-US" dirty="0" smtClean="0"/>
-              <a:t>建立用例的关系</a:t>
-            </a:r>
+              <a:rPr lang="zh-CN" altLang="en-US" b="1" dirty="0"/>
+              <a:t>事件流的书写规则</a:t>
+            </a:r>
+            <a:endParaRPr lang="zh-CN" altLang="en-US" dirty="0"/>
           </a:p>
         </p:txBody>
       </p:sp>
@@ -9847,16 +9578,13 @@
               </a:spcBef>
             </a:pPr>
             <a:r>
-              <a:rPr lang="zh-CN" altLang="en-US" dirty="0" smtClean="0"/>
-              <a:t>包含关系</a:t>
-            </a:r>
-            <a:r>
-              <a:rPr lang="en-US" altLang="zh-CN" dirty="0" smtClean="0"/>
-              <a:t>(include)</a:t>
-            </a:r>
-          </a:p>
-          <a:p>
-            <a:pPr lvl="1">
+              <a:rPr lang="zh-CN" altLang="en-US" dirty="0"/>
+              <a:t>简明</a:t>
+            </a:r>
+            <a:endParaRPr lang="en-US" altLang="zh-CN" dirty="0"/>
+          </a:p>
+          <a:p>
+            <a:pPr>
               <a:lnSpc>
                 <a:spcPct val="120000"/>
               </a:lnSpc>
@@ -9865,64 +9593,83 @@
               </a:spcBef>
             </a:pPr>
             <a:r>
-              <a:rPr lang="zh-CN" altLang="en-US" dirty="0">
-                <a:latin typeface="楷体" panose="02010609060101010101" pitchFamily="49" charset="-122"/>
-                <a:ea typeface="楷体" panose="02010609060101010101" pitchFamily="49" charset="-122"/>
-              </a:rPr>
-              <a:t>一个用例可以简单地包含其他用例具有的行为，并把它所</a:t>
-            </a:r>
-            <a:r>
-              <a:rPr lang="zh-CN" altLang="en-US" dirty="0" smtClean="0">
-                <a:latin typeface="楷体" panose="02010609060101010101" pitchFamily="49" charset="-122"/>
-                <a:ea typeface="楷体" panose="02010609060101010101" pitchFamily="49" charset="-122"/>
-              </a:rPr>
-              <a:t>包含的</a:t>
-            </a:r>
-            <a:r>
-              <a:rPr lang="zh-CN" altLang="en-US" dirty="0">
-                <a:latin typeface="楷体" panose="02010609060101010101" pitchFamily="49" charset="-122"/>
-                <a:ea typeface="楷体" panose="02010609060101010101" pitchFamily="49" charset="-122"/>
-              </a:rPr>
-              <a:t>用例行为</a:t>
-            </a:r>
-            <a:r>
-              <a:rPr lang="zh-CN" altLang="en-US" dirty="0" smtClean="0">
-                <a:latin typeface="楷体" panose="02010609060101010101" pitchFamily="49" charset="-122"/>
-                <a:ea typeface="楷体" panose="02010609060101010101" pitchFamily="49" charset="-122"/>
-              </a:rPr>
-              <a:t>作为自身</a:t>
-            </a:r>
-            <a:r>
-              <a:rPr lang="zh-CN" altLang="en-US" dirty="0">
-                <a:latin typeface="楷体" panose="02010609060101010101" pitchFamily="49" charset="-122"/>
-                <a:ea typeface="楷体" panose="02010609060101010101" pitchFamily="49" charset="-122"/>
-              </a:rPr>
-              <a:t>行为的一部分。</a:t>
-            </a:r>
-            <a:endParaRPr lang="en-US" altLang="zh-CN" dirty="0" smtClean="0">
-              <a:latin typeface="楷体" panose="02010609060101010101" pitchFamily="49" charset="-122"/>
-              <a:ea typeface="楷体" panose="02010609060101010101" pitchFamily="49" charset="-122"/>
-            </a:endParaRPr>
+              <a:rPr lang="zh-CN" altLang="en-US" dirty="0"/>
+              <a:t>使用主动语态</a:t>
+            </a:r>
+            <a:endParaRPr lang="en-US" altLang="zh-CN" dirty="0"/>
+          </a:p>
+          <a:p>
+            <a:pPr>
+              <a:lnSpc>
+                <a:spcPct val="120000"/>
+              </a:lnSpc>
+              <a:spcBef>
+                <a:spcPts val="0"/>
+              </a:spcBef>
+            </a:pPr>
+            <a:r>
+              <a:rPr lang="zh-CN" altLang="en-US" dirty="0"/>
+              <a:t>从第三者的角度写参与者的动作</a:t>
+            </a:r>
+            <a:endParaRPr lang="en-US" altLang="zh-CN" dirty="0"/>
+          </a:p>
+          <a:p>
+            <a:pPr>
+              <a:lnSpc>
+                <a:spcPct val="120000"/>
+              </a:lnSpc>
+              <a:spcBef>
+                <a:spcPts val="0"/>
+              </a:spcBef>
+            </a:pPr>
+            <a:r>
+              <a:rPr lang="zh-CN" altLang="en-US" dirty="0"/>
+              <a:t>描述用户的意图和系统的职责，不关注界面和细则。</a:t>
+            </a:r>
+            <a:endParaRPr lang="en-US" altLang="zh-CN" dirty="0"/>
+          </a:p>
+          <a:p>
+            <a:pPr>
+              <a:lnSpc>
+                <a:spcPct val="120000"/>
+              </a:lnSpc>
+              <a:spcBef>
+                <a:spcPts val="0"/>
+              </a:spcBef>
+            </a:pPr>
+            <a:r>
+              <a:rPr lang="zh-CN" altLang="en-US" dirty="0"/>
+              <a:t>主事件流使用</a:t>
+            </a:r>
+            <a:r>
+              <a:rPr lang="en-US" altLang="zh-CN" dirty="0"/>
+              <a:t>”</a:t>
+            </a:r>
+            <a:r>
+              <a:rPr lang="zh-CN" altLang="en-US" dirty="0"/>
+              <a:t>确认</a:t>
+            </a:r>
+            <a:r>
+              <a:rPr lang="en-US" altLang="zh-CN" dirty="0"/>
+              <a:t>”</a:t>
+            </a:r>
+            <a:r>
+              <a:rPr lang="zh-CN" altLang="en-US" dirty="0"/>
+              <a:t>，“验证”等积极词汇。</a:t>
+            </a:r>
           </a:p>
         </p:txBody>
       </p:sp>
     </p:spTree>
     <p:extLst>
       <p:ext uri="{BB962C8B-B14F-4D97-AF65-F5344CB8AC3E}">
-        <p14:creationId xmlns:p14="http://schemas.microsoft.com/office/powerpoint/2010/main" val="2888051696"/>
+        <p14:creationId xmlns:p14="http://schemas.microsoft.com/office/powerpoint/2010/main" val="1784833127"/>
       </p:ext>
     </p:extLst>
   </p:cSld>
   <p:clrMapOvr>
     <a:masterClrMapping/>
   </p:clrMapOvr>
-  <p:timing>
-    <p:tnLst>
-      <p:par>
-        <p:cTn id="1" dur="indefinite" restart="never" nodeType="tmRoot"/>
-      </p:par>
-    </p:tnLst>
-  </p:timing>
 </p:sld>
 </file>
 
@@ -9961,13 +9708,10 @@
           <a:lstStyle/>
           <a:p>
             <a:r>
-              <a:rPr lang="en-US" altLang="zh-CN" dirty="0" smtClean="0"/>
-              <a:t>7.3 </a:t>
-            </a:r>
-            <a:r>
-              <a:rPr lang="zh-CN" altLang="en-US" dirty="0" smtClean="0"/>
-              <a:t>建立用例的关系</a:t>
-            </a:r>
+              <a:rPr lang="zh-CN" altLang="en-US" b="1" dirty="0"/>
+              <a:t>非功能性需求</a:t>
+            </a:r>
+            <a:endParaRPr lang="zh-CN" altLang="en-US" dirty="0"/>
           </a:p>
         </p:txBody>
       </p:sp>
@@ -9981,12 +9725,7 @@
             <p:ph type="body" idx="1"/>
           </p:nvPr>
         </p:nvSpPr>
-        <p:spPr>
-          <a:xfrm>
-            <a:off x="1195750" y="1763667"/>
-            <a:ext cx="6798736" cy="729229"/>
-          </a:xfrm>
-        </p:spPr>
+        <p:spPr/>
         <p:txBody>
           <a:bodyPr>
             <a:normAutofit/>
@@ -10002,10 +9741,648 @@
               </a:spcBef>
             </a:pPr>
             <a:r>
-              <a:rPr lang="zh-CN" altLang="en-US" dirty="0" smtClean="0"/>
+              <a:rPr lang="zh-CN" altLang="en-US" dirty="0"/>
+              <a:t>往往有一些与用例有关的非功能性需求，比如：</a:t>
+            </a:r>
+            <a:endParaRPr lang="en-US" altLang="zh-CN" dirty="0"/>
+          </a:p>
+          <a:p>
+            <a:pPr lvl="1">
+              <a:lnSpc>
+                <a:spcPct val="120000"/>
+              </a:lnSpc>
+              <a:spcBef>
+                <a:spcPts val="0"/>
+              </a:spcBef>
+            </a:pPr>
+            <a:r>
+              <a:rPr lang="zh-CN" altLang="en-US" dirty="0"/>
+              <a:t>业务规则</a:t>
+            </a:r>
+            <a:endParaRPr lang="en-US" altLang="zh-CN" dirty="0"/>
+          </a:p>
+          <a:p>
+            <a:pPr lvl="1">
+              <a:lnSpc>
+                <a:spcPct val="120000"/>
+              </a:lnSpc>
+              <a:spcBef>
+                <a:spcPts val="0"/>
+              </a:spcBef>
+            </a:pPr>
+            <a:r>
+              <a:rPr lang="zh-CN" altLang="en-US" dirty="0"/>
+              <a:t>质量属性</a:t>
+            </a:r>
+            <a:endParaRPr lang="en-US" altLang="zh-CN" dirty="0"/>
+          </a:p>
+          <a:p>
+            <a:pPr lvl="1">
+              <a:lnSpc>
+                <a:spcPct val="120000"/>
+              </a:lnSpc>
+              <a:spcBef>
+                <a:spcPts val="0"/>
+              </a:spcBef>
+            </a:pPr>
+            <a:r>
+              <a:rPr lang="zh-CN" altLang="en-US" dirty="0"/>
+              <a:t>结束条件</a:t>
+            </a:r>
+            <a:endParaRPr lang="en-US" altLang="zh-CN" dirty="0"/>
+          </a:p>
+          <a:p>
+            <a:pPr>
+              <a:lnSpc>
+                <a:spcPct val="120000"/>
+              </a:lnSpc>
+              <a:spcBef>
+                <a:spcPts val="0"/>
+              </a:spcBef>
+            </a:pPr>
+            <a:r>
+              <a:rPr lang="zh-CN" altLang="en-US" dirty="0"/>
+              <a:t>需要将非功能性需求与用例事件流记录在一起。见表</a:t>
+            </a:r>
+            <a:r>
+              <a:rPr lang="en-US" altLang="zh-CN" dirty="0"/>
+              <a:t>7.4</a:t>
+            </a:r>
+          </a:p>
+        </p:txBody>
+      </p:sp>
+    </p:spTree>
+    <p:extLst>
+      <p:ext uri="{BB962C8B-B14F-4D97-AF65-F5344CB8AC3E}">
+        <p14:creationId xmlns:p14="http://schemas.microsoft.com/office/powerpoint/2010/main" val="1130687266"/>
+      </p:ext>
+    </p:extLst>
+  </p:cSld>
+  <p:clrMapOvr>
+    <a:masterClrMapping/>
+  </p:clrMapOvr>
+</p:sld>
+</file>
+
+<file path=ppt/slides/slide2.xml><?xml version="1.0" encoding="utf-8"?>
+<p:sld xmlns:a="http://schemas.openxmlformats.org/drawingml/2006/main" xmlns:r="http://schemas.openxmlformats.org/officeDocument/2006/relationships" xmlns:p="http://schemas.openxmlformats.org/presentationml/2006/main">
+  <p:cSld>
+    <p:spTree>
+      <p:nvGrpSpPr>
+        <p:cNvPr id="1" name=""/>
+        <p:cNvGrpSpPr/>
+        <p:nvPr/>
+      </p:nvGrpSpPr>
+      <p:grpSpPr>
+        <a:xfrm>
+          <a:off x="0" y="0"/>
+          <a:ext cx="0" cy="0"/>
+          <a:chOff x="0" y="0"/>
+          <a:chExt cx="0" cy="0"/>
+        </a:xfrm>
+      </p:grpSpPr>
+      <p:sp>
+        <p:nvSpPr>
+          <p:cNvPr id="4098" name="Rectangle 2"/>
+          <p:cNvSpPr>
+            <a:spLocks noGrp="1" noChangeArrowheads="1"/>
+          </p:cNvSpPr>
+          <p:nvPr>
+            <p:ph type="title"/>
+          </p:nvPr>
+        </p:nvSpPr>
+        <p:spPr/>
+        <p:txBody>
+          <a:bodyPr/>
+          <a:lstStyle/>
+          <a:p>
+            <a:pPr eaLnBrk="1" hangingPunct="1"/>
+            <a:r>
+              <a:rPr lang="zh-CN" altLang="en-US"/>
+              <a:t>本章主要内容</a:t>
+            </a:r>
+          </a:p>
+        </p:txBody>
+      </p:sp>
+      <p:sp>
+        <p:nvSpPr>
+          <p:cNvPr id="4099" name="Rectangle 3"/>
+          <p:cNvSpPr>
+            <a:spLocks noGrp="1" noChangeArrowheads="1"/>
+          </p:cNvSpPr>
+          <p:nvPr>
+            <p:ph type="body" idx="1"/>
+          </p:nvPr>
+        </p:nvSpPr>
+        <p:spPr/>
+        <p:txBody>
+          <a:bodyPr/>
+          <a:lstStyle/>
+          <a:p>
+            <a:pPr marL="609600" indent="-609600" eaLnBrk="1" hangingPunct="1"/>
+            <a:r>
+              <a:rPr lang="en-US" altLang="zh-CN" dirty="0"/>
+              <a:t>7.1 </a:t>
+            </a:r>
+            <a:r>
+              <a:rPr lang="zh-CN" altLang="en-US" dirty="0"/>
+              <a:t>基于用例的需求分析</a:t>
+            </a:r>
+          </a:p>
+          <a:p>
+            <a:pPr marL="609600" indent="-609600" eaLnBrk="1" hangingPunct="1"/>
+            <a:r>
+              <a:rPr lang="en-US" altLang="zh-CN" dirty="0"/>
+              <a:t>7.2 </a:t>
+            </a:r>
+            <a:r>
+              <a:rPr lang="zh-CN" altLang="en-US" dirty="0"/>
+              <a:t>用例的描述</a:t>
+            </a:r>
+            <a:endParaRPr lang="en-US" altLang="zh-CN" dirty="0"/>
+          </a:p>
+          <a:p>
+            <a:pPr marL="609600" indent="-609600" eaLnBrk="1" hangingPunct="1"/>
+            <a:r>
+              <a:rPr lang="en-US" altLang="zh-CN" dirty="0"/>
+              <a:t>7.3 </a:t>
+            </a:r>
+            <a:r>
+              <a:rPr lang="zh-CN" altLang="en-US" dirty="0"/>
+              <a:t>建立用例的关系</a:t>
+            </a:r>
+          </a:p>
+        </p:txBody>
+      </p:sp>
+    </p:spTree>
+    <p:extLst>
+      <p:ext uri="{BB962C8B-B14F-4D97-AF65-F5344CB8AC3E}">
+        <p14:creationId xmlns:p14="http://schemas.microsoft.com/office/powerpoint/2010/main" val="2689307828"/>
+      </p:ext>
+    </p:extLst>
+  </p:cSld>
+  <p:clrMapOvr>
+    <a:masterClrMapping/>
+  </p:clrMapOvr>
+</p:sld>
+</file>
+
+<file path=ppt/slides/slide20.xml><?xml version="1.0" encoding="utf-8"?>
+<p:sld xmlns:a="http://schemas.openxmlformats.org/drawingml/2006/main" xmlns:r="http://schemas.openxmlformats.org/officeDocument/2006/relationships" xmlns:p="http://schemas.openxmlformats.org/presentationml/2006/main">
+  <p:cSld>
+    <p:spTree>
+      <p:nvGrpSpPr>
+        <p:cNvPr id="1" name=""/>
+        <p:cNvGrpSpPr/>
+        <p:nvPr/>
+      </p:nvGrpSpPr>
+      <p:grpSpPr>
+        <a:xfrm>
+          <a:off x="0" y="0"/>
+          <a:ext cx="0" cy="0"/>
+          <a:chOff x="0" y="0"/>
+          <a:chExt cx="0" cy="0"/>
+        </a:xfrm>
+      </p:grpSpPr>
+      <p:sp>
+        <p:nvSpPr>
+          <p:cNvPr id="3" name="内容占位符 2">
+            <a:extLst>
+              <a:ext uri="{FF2B5EF4-FFF2-40B4-BE49-F238E27FC236}">
+                <a16:creationId xmlns:a16="http://schemas.microsoft.com/office/drawing/2014/main" id="{F6BC00EF-620F-46FC-9293-CBE6D1D489CF}"/>
+              </a:ext>
+            </a:extLst>
+          </p:cNvPr>
+          <p:cNvSpPr>
+            <a:spLocks noGrp="1"/>
+          </p:cNvSpPr>
+          <p:nvPr>
+            <p:ph idx="1"/>
+          </p:nvPr>
+        </p:nvSpPr>
+        <p:spPr/>
+        <p:txBody>
+          <a:bodyPr/>
+          <a:lstStyle/>
+          <a:p>
+            <a:endParaRPr lang="zh-CN" altLang="en-US"/>
+          </a:p>
+        </p:txBody>
+      </p:sp>
+      <p:pic>
+        <p:nvPicPr>
+          <p:cNvPr id="4" name="图片 3">
+            <a:extLst>
+              <a:ext uri="{FF2B5EF4-FFF2-40B4-BE49-F238E27FC236}">
+                <a16:creationId xmlns:a16="http://schemas.microsoft.com/office/drawing/2014/main" id="{94C485BC-6F94-4AC9-BFA3-8156DD3306C3}"/>
+              </a:ext>
+            </a:extLst>
+          </p:cNvPr>
+          <p:cNvPicPr>
+            <a:picLocks noChangeAspect="1"/>
+          </p:cNvPicPr>
+          <p:nvPr/>
+        </p:nvPicPr>
+        <p:blipFill>
+          <a:blip r:embed="rId2"/>
+          <a:stretch>
+            <a:fillRect/>
+          </a:stretch>
+        </p:blipFill>
+        <p:spPr>
+          <a:xfrm>
+            <a:off x="0" y="2492667"/>
+            <a:ext cx="9144000" cy="1872665"/>
+          </a:xfrm>
+          <a:prstGeom prst="rect">
+            <a:avLst/>
+          </a:prstGeom>
+        </p:spPr>
+      </p:pic>
+    </p:spTree>
+    <p:extLst>
+      <p:ext uri="{BB962C8B-B14F-4D97-AF65-F5344CB8AC3E}">
+        <p14:creationId xmlns:p14="http://schemas.microsoft.com/office/powerpoint/2010/main" val="3870688986"/>
+      </p:ext>
+    </p:extLst>
+  </p:cSld>
+  <p:clrMapOvr>
+    <a:masterClrMapping/>
+  </p:clrMapOvr>
+</p:sld>
+</file>
+
+<file path=ppt/slides/slide21.xml><?xml version="1.0" encoding="utf-8"?>
+<p:sld xmlns:a="http://schemas.openxmlformats.org/drawingml/2006/main" xmlns:r="http://schemas.openxmlformats.org/officeDocument/2006/relationships" xmlns:p="http://schemas.openxmlformats.org/presentationml/2006/main">
+  <p:cSld>
+    <p:spTree>
+      <p:nvGrpSpPr>
+        <p:cNvPr id="1" name=""/>
+        <p:cNvGrpSpPr/>
+        <p:nvPr/>
+      </p:nvGrpSpPr>
+      <p:grpSpPr>
+        <a:xfrm>
+          <a:off x="0" y="0"/>
+          <a:ext cx="0" cy="0"/>
+          <a:chOff x="0" y="0"/>
+          <a:chExt cx="0" cy="0"/>
+        </a:xfrm>
+      </p:grpSpPr>
+      <p:sp>
+        <p:nvSpPr>
+          <p:cNvPr id="2" name="标题 1">
+            <a:extLst>
+              <a:ext uri="{FF2B5EF4-FFF2-40B4-BE49-F238E27FC236}">
+                <a16:creationId xmlns:a16="http://schemas.microsoft.com/office/drawing/2014/main" id="{8B6E55DF-A021-4EC6-864B-D28C6F0D2F8E}"/>
+              </a:ext>
+            </a:extLst>
+          </p:cNvPr>
+          <p:cNvSpPr>
+            <a:spLocks noGrp="1"/>
+          </p:cNvSpPr>
+          <p:nvPr>
+            <p:ph type="title"/>
+          </p:nvPr>
+        </p:nvSpPr>
+        <p:spPr/>
+        <p:txBody>
+          <a:bodyPr/>
+          <a:lstStyle/>
+          <a:p>
+            <a:r>
+              <a:rPr lang="zh-CN" altLang="en-US" dirty="0"/>
+              <a:t>用例归约完整样例</a:t>
+            </a:r>
+          </a:p>
+        </p:txBody>
+      </p:sp>
+      <p:sp>
+        <p:nvSpPr>
+          <p:cNvPr id="3" name="内容占位符 2">
+            <a:extLst>
+              <a:ext uri="{FF2B5EF4-FFF2-40B4-BE49-F238E27FC236}">
+                <a16:creationId xmlns:a16="http://schemas.microsoft.com/office/drawing/2014/main" id="{4479EA1A-7343-4A3D-B4D7-9F5C1E22AFD2}"/>
+              </a:ext>
+            </a:extLst>
+          </p:cNvPr>
+          <p:cNvSpPr>
+            <a:spLocks noGrp="1"/>
+          </p:cNvSpPr>
+          <p:nvPr>
+            <p:ph idx="1"/>
+          </p:nvPr>
+        </p:nvSpPr>
+        <p:spPr/>
+        <p:txBody>
+          <a:bodyPr/>
+          <a:lstStyle/>
+          <a:p>
+            <a:r>
+              <a:rPr lang="zh-CN" altLang="en-US" dirty="0"/>
+              <a:t>填写派工单样例：</a:t>
+            </a:r>
+          </a:p>
+        </p:txBody>
+      </p:sp>
+      <p:pic>
+        <p:nvPicPr>
+          <p:cNvPr id="4" name="图片 3">
+            <a:extLst>
+              <a:ext uri="{FF2B5EF4-FFF2-40B4-BE49-F238E27FC236}">
+                <a16:creationId xmlns:a16="http://schemas.microsoft.com/office/drawing/2014/main" id="{398F32CD-7EE7-4E8E-80EB-6F2585BDD2A5}"/>
+              </a:ext>
+            </a:extLst>
+          </p:cNvPr>
+          <p:cNvPicPr>
+            <a:picLocks noChangeAspect="1"/>
+          </p:cNvPicPr>
+          <p:nvPr/>
+        </p:nvPicPr>
+        <p:blipFill>
+          <a:blip r:embed="rId2"/>
+          <a:stretch>
+            <a:fillRect/>
+          </a:stretch>
+        </p:blipFill>
+        <p:spPr>
+          <a:xfrm>
+            <a:off x="827584" y="2395370"/>
+            <a:ext cx="7295238" cy="3761905"/>
+          </a:xfrm>
+          <a:prstGeom prst="rect">
+            <a:avLst/>
+          </a:prstGeom>
+        </p:spPr>
+      </p:pic>
+    </p:spTree>
+    <p:extLst>
+      <p:ext uri="{BB962C8B-B14F-4D97-AF65-F5344CB8AC3E}">
+        <p14:creationId xmlns:p14="http://schemas.microsoft.com/office/powerpoint/2010/main" val="413959233"/>
+      </p:ext>
+    </p:extLst>
+  </p:cSld>
+  <p:clrMapOvr>
+    <a:masterClrMapping/>
+  </p:clrMapOvr>
+</p:sld>
+</file>
+
+<file path=ppt/slides/slide22.xml><?xml version="1.0" encoding="utf-8"?>
+<p:sld xmlns:a="http://schemas.openxmlformats.org/drawingml/2006/main" xmlns:r="http://schemas.openxmlformats.org/officeDocument/2006/relationships" xmlns:p="http://schemas.openxmlformats.org/presentationml/2006/main">
+  <p:cSld>
+    <p:spTree>
+      <p:nvGrpSpPr>
+        <p:cNvPr id="1" name=""/>
+        <p:cNvGrpSpPr/>
+        <p:nvPr/>
+      </p:nvGrpSpPr>
+      <p:grpSpPr>
+        <a:xfrm>
+          <a:off x="0" y="0"/>
+          <a:ext cx="0" cy="0"/>
+          <a:chOff x="0" y="0"/>
+          <a:chExt cx="0" cy="0"/>
+        </a:xfrm>
+      </p:grpSpPr>
+      <p:pic>
+        <p:nvPicPr>
+          <p:cNvPr id="4" name="图片 3">
+            <a:extLst>
+              <a:ext uri="{FF2B5EF4-FFF2-40B4-BE49-F238E27FC236}">
+                <a16:creationId xmlns:a16="http://schemas.microsoft.com/office/drawing/2014/main" id="{74062812-A6B5-430E-BC5F-BE706FEED6F9}"/>
+              </a:ext>
+            </a:extLst>
+          </p:cNvPr>
+          <p:cNvPicPr>
+            <a:picLocks noChangeAspect="1"/>
+          </p:cNvPicPr>
+          <p:nvPr/>
+        </p:nvPicPr>
+        <p:blipFill>
+          <a:blip r:embed="rId2"/>
+          <a:stretch>
+            <a:fillRect/>
+          </a:stretch>
+        </p:blipFill>
+        <p:spPr>
+          <a:xfrm>
+            <a:off x="1094455" y="0"/>
+            <a:ext cx="6955089" cy="6858000"/>
+          </a:xfrm>
+          <a:prstGeom prst="rect">
+            <a:avLst/>
+          </a:prstGeom>
+        </p:spPr>
+      </p:pic>
+    </p:spTree>
+    <p:extLst>
+      <p:ext uri="{BB962C8B-B14F-4D97-AF65-F5344CB8AC3E}">
+        <p14:creationId xmlns:p14="http://schemas.microsoft.com/office/powerpoint/2010/main" val="2819613366"/>
+      </p:ext>
+    </p:extLst>
+  </p:cSld>
+  <p:clrMapOvr>
+    <a:masterClrMapping/>
+  </p:clrMapOvr>
+</p:sld>
+</file>
+
+<file path=ppt/slides/slide23.xml><?xml version="1.0" encoding="utf-8"?>
+<p:sld xmlns:a="http://schemas.openxmlformats.org/drawingml/2006/main" xmlns:r="http://schemas.openxmlformats.org/officeDocument/2006/relationships" xmlns:p="http://schemas.openxmlformats.org/presentationml/2006/main">
+  <p:cSld>
+    <p:spTree>
+      <p:nvGrpSpPr>
+        <p:cNvPr id="1" name=""/>
+        <p:cNvGrpSpPr/>
+        <p:nvPr/>
+      </p:nvGrpSpPr>
+      <p:grpSpPr>
+        <a:xfrm>
+          <a:off x="0" y="0"/>
+          <a:ext cx="0" cy="0"/>
+          <a:chOff x="0" y="0"/>
+          <a:chExt cx="0" cy="0"/>
+        </a:xfrm>
+      </p:grpSpPr>
+      <p:sp>
+        <p:nvSpPr>
+          <p:cNvPr id="5122" name="Rectangle 2"/>
+          <p:cNvSpPr>
+            <a:spLocks noGrp="1" noChangeArrowheads="1"/>
+          </p:cNvSpPr>
+          <p:nvPr>
+            <p:ph type="title"/>
+          </p:nvPr>
+        </p:nvSpPr>
+        <p:spPr/>
+        <p:txBody>
+          <a:bodyPr>
+            <a:normAutofit/>
+          </a:bodyPr>
+          <a:lstStyle/>
+          <a:p>
+            <a:r>
+              <a:rPr lang="en-US" altLang="zh-CN" dirty="0"/>
+              <a:t>7.3 </a:t>
+            </a:r>
+            <a:r>
+              <a:rPr lang="zh-CN" altLang="en-US" dirty="0"/>
+              <a:t>建立用例的关系</a:t>
+            </a:r>
+          </a:p>
+        </p:txBody>
+      </p:sp>
+      <p:sp>
+        <p:nvSpPr>
+          <p:cNvPr id="5123" name="Rectangle 3"/>
+          <p:cNvSpPr>
+            <a:spLocks noGrp="1" noChangeArrowheads="1"/>
+          </p:cNvSpPr>
+          <p:nvPr>
+            <p:ph type="body" idx="1"/>
+          </p:nvPr>
+        </p:nvSpPr>
+        <p:spPr/>
+        <p:txBody>
+          <a:bodyPr>
+            <a:normAutofit/>
+          </a:bodyPr>
+          <a:lstStyle/>
+          <a:p>
+            <a:pPr>
+              <a:lnSpc>
+                <a:spcPct val="120000"/>
+              </a:lnSpc>
+              <a:spcBef>
+                <a:spcPts val="0"/>
+              </a:spcBef>
+            </a:pPr>
+            <a:r>
+              <a:rPr lang="zh-CN" altLang="en-US" dirty="0"/>
               <a:t>包含关系</a:t>
             </a:r>
-            <a:endParaRPr lang="en-US" altLang="zh-CN" dirty="0" smtClean="0"/>
+            <a:r>
+              <a:rPr lang="en-US" altLang="zh-CN" dirty="0"/>
+              <a:t>(include)</a:t>
+            </a:r>
+          </a:p>
+          <a:p>
+            <a:pPr lvl="1">
+              <a:lnSpc>
+                <a:spcPct val="120000"/>
+              </a:lnSpc>
+              <a:spcBef>
+                <a:spcPts val="0"/>
+              </a:spcBef>
+            </a:pPr>
+            <a:r>
+              <a:rPr lang="zh-CN" altLang="en-US" dirty="0">
+                <a:latin typeface="楷体" panose="02010609060101010101" pitchFamily="49" charset="-122"/>
+                <a:ea typeface="楷体" panose="02010609060101010101" pitchFamily="49" charset="-122"/>
+              </a:rPr>
+              <a:t>一个用例可以简单地包含其他用例具有的行为，并把它所包含的用例行为作为自身行为的一部分。</a:t>
+            </a:r>
+            <a:endParaRPr lang="en-US" altLang="zh-CN" dirty="0">
+              <a:latin typeface="楷体" panose="02010609060101010101" pitchFamily="49" charset="-122"/>
+              <a:ea typeface="楷体" panose="02010609060101010101" pitchFamily="49" charset="-122"/>
+            </a:endParaRPr>
+          </a:p>
+        </p:txBody>
+      </p:sp>
+    </p:spTree>
+    <p:extLst>
+      <p:ext uri="{BB962C8B-B14F-4D97-AF65-F5344CB8AC3E}">
+        <p14:creationId xmlns:p14="http://schemas.microsoft.com/office/powerpoint/2010/main" val="2888051696"/>
+      </p:ext>
+    </p:extLst>
+  </p:cSld>
+  <p:clrMapOvr>
+    <a:masterClrMapping/>
+  </p:clrMapOvr>
+</p:sld>
+</file>
+
+<file path=ppt/slides/slide24.xml><?xml version="1.0" encoding="utf-8"?>
+<p:sld xmlns:a="http://schemas.openxmlformats.org/drawingml/2006/main" xmlns:r="http://schemas.openxmlformats.org/officeDocument/2006/relationships" xmlns:p="http://schemas.openxmlformats.org/presentationml/2006/main">
+  <p:cSld>
+    <p:spTree>
+      <p:nvGrpSpPr>
+        <p:cNvPr id="1" name=""/>
+        <p:cNvGrpSpPr/>
+        <p:nvPr/>
+      </p:nvGrpSpPr>
+      <p:grpSpPr>
+        <a:xfrm>
+          <a:off x="0" y="0"/>
+          <a:ext cx="0" cy="0"/>
+          <a:chOff x="0" y="0"/>
+          <a:chExt cx="0" cy="0"/>
+        </a:xfrm>
+      </p:grpSpPr>
+      <p:sp>
+        <p:nvSpPr>
+          <p:cNvPr id="5122" name="Rectangle 2"/>
+          <p:cNvSpPr>
+            <a:spLocks noGrp="1" noChangeArrowheads="1"/>
+          </p:cNvSpPr>
+          <p:nvPr>
+            <p:ph type="title"/>
+          </p:nvPr>
+        </p:nvSpPr>
+        <p:spPr/>
+        <p:txBody>
+          <a:bodyPr>
+            <a:normAutofit/>
+          </a:bodyPr>
+          <a:lstStyle/>
+          <a:p>
+            <a:r>
+              <a:rPr lang="en-US" altLang="zh-CN" dirty="0"/>
+              <a:t>7.3 </a:t>
+            </a:r>
+            <a:r>
+              <a:rPr lang="zh-CN" altLang="en-US" dirty="0"/>
+              <a:t>建立用例的关系</a:t>
+            </a:r>
+          </a:p>
+        </p:txBody>
+      </p:sp>
+      <p:sp>
+        <p:nvSpPr>
+          <p:cNvPr id="5123" name="Rectangle 3"/>
+          <p:cNvSpPr>
+            <a:spLocks noGrp="1" noChangeArrowheads="1"/>
+          </p:cNvSpPr>
+          <p:nvPr>
+            <p:ph type="body" idx="1"/>
+          </p:nvPr>
+        </p:nvSpPr>
+        <p:spPr>
+          <a:xfrm>
+            <a:off x="1195750" y="1763667"/>
+            <a:ext cx="6798736" cy="729229"/>
+          </a:xfrm>
+        </p:spPr>
+        <p:txBody>
+          <a:bodyPr>
+            <a:normAutofit/>
+          </a:bodyPr>
+          <a:lstStyle/>
+          <a:p>
+            <a:pPr>
+              <a:lnSpc>
+                <a:spcPct val="120000"/>
+              </a:lnSpc>
+              <a:spcBef>
+                <a:spcPts val="0"/>
+              </a:spcBef>
+            </a:pPr>
+            <a:r>
+              <a:rPr lang="zh-CN" altLang="en-US" dirty="0"/>
+              <a:t>包含关系</a:t>
+            </a:r>
+            <a:endParaRPr lang="en-US" altLang="zh-CN" dirty="0"/>
           </a:p>
         </p:txBody>
       </p:sp>
@@ -10228,10 +10605,9 @@
             <a:p>
               <a:pPr algn="ctr"/>
               <a:r>
-                <a:rPr lang="zh-CN" altLang="en-US" dirty="0" smtClean="0"/>
+                <a:rPr lang="zh-CN" altLang="en-US" dirty="0"/>
                 <a:t>读者</a:t>
               </a:r>
-              <a:endParaRPr lang="zh-CN" altLang="en-US" dirty="0"/>
             </a:p>
           </p:txBody>
         </p:sp>
@@ -10312,10 +10688,9 @@
           <a:p>
             <a:pPr algn="ctr"/>
             <a:r>
-              <a:rPr lang="zh-CN" altLang="en-US" dirty="0" smtClean="0"/>
+              <a:rPr lang="zh-CN" altLang="en-US" dirty="0"/>
               <a:t>查询书目</a:t>
             </a:r>
-            <a:endParaRPr lang="zh-CN" altLang="en-US" dirty="0"/>
           </a:p>
         </p:txBody>
       </p:sp>
@@ -10360,10 +10735,9 @@
           <a:p>
             <a:pPr algn="ctr"/>
             <a:r>
-              <a:rPr lang="zh-CN" altLang="en-US" dirty="0" smtClean="0"/>
+              <a:rPr lang="zh-CN" altLang="en-US" dirty="0"/>
               <a:t>预定图书</a:t>
             </a:r>
-            <a:endParaRPr lang="zh-CN" altLang="en-US" dirty="0"/>
           </a:p>
         </p:txBody>
       </p:sp>
@@ -10461,7 +10835,7 @@
           <a:lstStyle/>
           <a:p>
             <a:r>
-              <a:rPr lang="en-US" altLang="zh-CN" dirty="0" smtClean="0"/>
+              <a:rPr lang="en-US" altLang="zh-CN" dirty="0"/>
               <a:t>&lt;&lt;include&gt;&gt;</a:t>
             </a:r>
             <a:endParaRPr lang="zh-CN" altLang="en-US" dirty="0"/>
@@ -10513,10 +10887,9 @@
           <a:lstStyle/>
           <a:p>
             <a:r>
-              <a:rPr lang="zh-CN" altLang="en-US" dirty="0" smtClean="0"/>
+              <a:rPr lang="zh-CN" altLang="en-US" dirty="0"/>
               <a:t>“查询书目”用例可以单独存在，也可以作为“预定图书”的包含用例</a:t>
             </a:r>
-            <a:endParaRPr lang="zh-CN" altLang="en-US" dirty="0"/>
           </a:p>
         </p:txBody>
       </p:sp>
@@ -10530,17 +10903,10 @@
   <p:clrMapOvr>
     <a:masterClrMapping/>
   </p:clrMapOvr>
-  <p:timing>
-    <p:tnLst>
-      <p:par>
-        <p:cTn id="1" dur="indefinite" restart="never" nodeType="tmRoot"/>
-      </p:par>
-    </p:tnLst>
-  </p:timing>
 </p:sld>
 </file>
 
-<file path=ppt/slides/slide2.xml><?xml version="1.0" encoding="utf-8"?>
+<file path=ppt/slides/slide25.xml><?xml version="1.0" encoding="utf-8"?>
 <p:sld xmlns:a="http://schemas.openxmlformats.org/drawingml/2006/main" xmlns:r="http://schemas.openxmlformats.org/officeDocument/2006/relationships" xmlns:p="http://schemas.openxmlformats.org/presentationml/2006/main">
   <p:cSld>
     <p:spTree>
@@ -10559,7 +10925,7 @@
       </p:grpSpPr>
       <p:sp>
         <p:nvSpPr>
-          <p:cNvPr id="4098" name="Rectangle 2"/>
+          <p:cNvPr id="5122" name="Rectangle 2"/>
           <p:cNvSpPr>
             <a:spLocks noGrp="1" noChangeArrowheads="1"/>
           </p:cNvSpPr>
@@ -10569,20 +10935,25 @@
         </p:nvSpPr>
         <p:spPr/>
         <p:txBody>
-          <a:bodyPr/>
+          <a:bodyPr>
+            <a:normAutofit/>
+          </a:bodyPr>
           <a:lstStyle/>
           <a:p>
-            <a:pPr eaLnBrk="1" hangingPunct="1"/>
-            <a:r>
-              <a:rPr lang="zh-CN" altLang="en-US" smtClean="0"/>
-              <a:t>本章主要内容</a:t>
-            </a:r>
-          </a:p>
-        </p:txBody>
-      </p:sp>
-      <p:sp>
-        <p:nvSpPr>
-          <p:cNvPr id="4099" name="Rectangle 3"/>
+            <a:r>
+              <a:rPr lang="en-US" altLang="zh-CN" dirty="0"/>
+              <a:t>7.3 </a:t>
+            </a:r>
+            <a:r>
+              <a:rPr lang="zh-CN" altLang="en-US" dirty="0"/>
+              <a:t>建立用例的关系</a:t>
+            </a:r>
+          </a:p>
+        </p:txBody>
+      </p:sp>
+      <p:sp>
+        <p:nvSpPr>
+          <p:cNvPr id="5123" name="Rectangle 3"/>
           <p:cNvSpPr>
             <a:spLocks noGrp="1" noChangeArrowheads="1"/>
           </p:cNvSpPr>
@@ -10592,77 +10963,112 @@
         </p:nvSpPr>
         <p:spPr/>
         <p:txBody>
-          <a:bodyPr/>
+          <a:bodyPr>
+            <a:normAutofit/>
+          </a:bodyPr>
           <a:lstStyle/>
           <a:p>
-            <a:pPr marL="609600" indent="-609600" eaLnBrk="1" hangingPunct="1"/>
+            <a:pPr>
+              <a:lnSpc>
+                <a:spcPct val="120000"/>
+              </a:lnSpc>
+              <a:spcBef>
+                <a:spcPts val="0"/>
+              </a:spcBef>
+            </a:pPr>
+            <a:r>
+              <a:rPr lang="zh-CN" altLang="en-US" dirty="0"/>
+              <a:t>扩展关系（</a:t>
+            </a:r>
             <a:r>
               <a:rPr lang="en-US" altLang="zh-CN" dirty="0"/>
-              <a:t>7</a:t>
-            </a:r>
-            <a:r>
-              <a:rPr lang="en-US" altLang="zh-CN" dirty="0" smtClean="0"/>
-              <a:t>.1 </a:t>
-            </a:r>
-            <a:r>
-              <a:rPr lang="zh-CN" altLang="en-US" dirty="0" smtClean="0"/>
-              <a:t>基于用例的需求分析</a:t>
-            </a:r>
-          </a:p>
-          <a:p>
-            <a:pPr marL="609600" indent="-609600" eaLnBrk="1" hangingPunct="1"/>
-            <a:r>
-              <a:rPr lang="en-US" altLang="zh-CN" dirty="0"/>
-              <a:t>7</a:t>
-            </a:r>
-            <a:r>
-              <a:rPr lang="en-US" altLang="zh-CN" dirty="0" smtClean="0"/>
-              <a:t>.2 </a:t>
-            </a:r>
-            <a:r>
-              <a:rPr lang="zh-CN" altLang="en-US" dirty="0" smtClean="0"/>
-              <a:t>用例的描述</a:t>
-            </a:r>
-            <a:endParaRPr lang="en-US" altLang="zh-CN" dirty="0" smtClean="0"/>
-          </a:p>
-          <a:p>
-            <a:pPr marL="609600" indent="-609600" eaLnBrk="1" hangingPunct="1"/>
-            <a:r>
-              <a:rPr lang="en-US" altLang="zh-CN" dirty="0"/>
-              <a:t>7</a:t>
-            </a:r>
-            <a:r>
-              <a:rPr lang="en-US" altLang="zh-CN" dirty="0" smtClean="0"/>
-              <a:t>.3 </a:t>
-            </a:r>
-            <a:r>
-              <a:rPr lang="zh-CN" altLang="en-US" dirty="0" smtClean="0"/>
-              <a:t>建立用例的关系</a:t>
-            </a:r>
+              <a:t>extend</a:t>
+            </a:r>
+            <a:r>
+              <a:rPr lang="zh-CN" altLang="en-US" dirty="0"/>
+              <a:t>）</a:t>
+            </a:r>
+            <a:endParaRPr lang="en-US" altLang="zh-CN" dirty="0"/>
+          </a:p>
+          <a:p>
+            <a:pPr lvl="1">
+              <a:lnSpc>
+                <a:spcPct val="120000"/>
+              </a:lnSpc>
+              <a:spcBef>
+                <a:spcPts val="0"/>
+              </a:spcBef>
+            </a:pPr>
+            <a:r>
+              <a:rPr lang="zh-CN" altLang="en-US" dirty="0">
+                <a:latin typeface="楷体" panose="02010609060101010101" pitchFamily="49" charset="-122"/>
+                <a:ea typeface="楷体" panose="02010609060101010101" pitchFamily="49" charset="-122"/>
+              </a:rPr>
+              <a:t>在特定的情况下，对基本用例的延伸。</a:t>
+            </a:r>
+            <a:endParaRPr lang="en-US" altLang="zh-CN" dirty="0">
+              <a:latin typeface="楷体" panose="02010609060101010101" pitchFamily="49" charset="-122"/>
+              <a:ea typeface="楷体" panose="02010609060101010101" pitchFamily="49" charset="-122"/>
+            </a:endParaRPr>
+          </a:p>
+          <a:p>
+            <a:pPr lvl="1">
+              <a:lnSpc>
+                <a:spcPct val="120000"/>
+              </a:lnSpc>
+              <a:spcBef>
+                <a:spcPts val="0"/>
+              </a:spcBef>
+            </a:pPr>
+            <a:r>
+              <a:rPr lang="zh-CN" altLang="en-US" dirty="0">
+                <a:latin typeface="楷体" panose="02010609060101010101" pitchFamily="49" charset="-122"/>
+                <a:ea typeface="楷体" panose="02010609060101010101" pitchFamily="49" charset="-122"/>
+              </a:rPr>
+              <a:t>一个用例被定义为基础用例的增量扩展，是把新的行为插入到已有的用例中的办法。</a:t>
+            </a:r>
+            <a:endParaRPr lang="en-US" altLang="zh-CN" dirty="0">
+              <a:latin typeface="楷体" panose="02010609060101010101" pitchFamily="49" charset="-122"/>
+              <a:ea typeface="楷体" panose="02010609060101010101" pitchFamily="49" charset="-122"/>
+            </a:endParaRPr>
+          </a:p>
+          <a:p>
+            <a:pPr lvl="1">
+              <a:lnSpc>
+                <a:spcPct val="120000"/>
+              </a:lnSpc>
+              <a:spcBef>
+                <a:spcPts val="0"/>
+              </a:spcBef>
+            </a:pPr>
+            <a:r>
+              <a:rPr lang="zh-CN" altLang="en-US" dirty="0">
+                <a:latin typeface="楷体" panose="02010609060101010101" pitchFamily="49" charset="-122"/>
+                <a:ea typeface="楷体" panose="02010609060101010101" pitchFamily="49" charset="-122"/>
+              </a:rPr>
+              <a:t>比如：“登记赔偿”用例是对“归还图书”用例的扩展。</a:t>
+            </a:r>
+            <a:endParaRPr lang="en-US" altLang="zh-CN" dirty="0">
+              <a:latin typeface="楷体" panose="02010609060101010101" pitchFamily="49" charset="-122"/>
+              <a:ea typeface="楷体" panose="02010609060101010101" pitchFamily="49" charset="-122"/>
+            </a:endParaRPr>
           </a:p>
         </p:txBody>
       </p:sp>
     </p:spTree>
     <p:extLst>
       <p:ext uri="{BB962C8B-B14F-4D97-AF65-F5344CB8AC3E}">
-        <p14:creationId xmlns:p14="http://schemas.microsoft.com/office/powerpoint/2010/main" val="2689307828"/>
+        <p14:creationId xmlns:p14="http://schemas.microsoft.com/office/powerpoint/2010/main" val="4119047143"/>
       </p:ext>
     </p:extLst>
   </p:cSld>
   <p:clrMapOvr>
     <a:masterClrMapping/>
   </p:clrMapOvr>
-  <p:timing>
-    <p:tnLst>
-      <p:par>
-        <p:cTn id="1" dur="indefinite" restart="never" nodeType="tmRoot"/>
-      </p:par>
-    </p:tnLst>
-  </p:timing>
 </p:sld>
 </file>
 
-<file path=ppt/slides/slide20.xml><?xml version="1.0" encoding="utf-8"?>
+<file path=ppt/slides/slide26.xml><?xml version="1.0" encoding="utf-8"?>
 <p:sld xmlns:a="http://schemas.openxmlformats.org/drawingml/2006/main" xmlns:r="http://schemas.openxmlformats.org/officeDocument/2006/relationships" xmlns:p="http://schemas.openxmlformats.org/presentationml/2006/main">
   <p:cSld>
     <p:spTree>
@@ -10697,11 +11103,11 @@
           <a:lstStyle/>
           <a:p>
             <a:r>
-              <a:rPr lang="en-US" altLang="zh-CN" dirty="0" smtClean="0"/>
+              <a:rPr lang="en-US" altLang="zh-CN" dirty="0"/>
               <a:t>7.3 </a:t>
             </a:r>
             <a:r>
-              <a:rPr lang="zh-CN" altLang="en-US" dirty="0" smtClean="0"/>
+              <a:rPr lang="zh-CN" altLang="en-US" dirty="0"/>
               <a:t>建立用例的关系</a:t>
             </a:r>
           </a:p>
@@ -10717,7 +11123,12 @@
             <p:ph type="body" idx="1"/>
           </p:nvPr>
         </p:nvSpPr>
-        <p:spPr/>
+        <p:spPr>
+          <a:xfrm>
+            <a:off x="1195750" y="1763667"/>
+            <a:ext cx="6798736" cy="729229"/>
+          </a:xfrm>
+        </p:spPr>
         <p:txBody>
           <a:bodyPr>
             <a:normAutofit/>
@@ -10734,219 +11145,9 @@
             </a:pPr>
             <a:r>
               <a:rPr lang="zh-CN" altLang="en-US" dirty="0"/>
-              <a:t>扩展</a:t>
-            </a:r>
-            <a:r>
-              <a:rPr lang="zh-CN" altLang="en-US" dirty="0" smtClean="0"/>
-              <a:t>关系（</a:t>
-            </a:r>
-            <a:r>
-              <a:rPr lang="en-US" altLang="zh-CN" dirty="0" smtClean="0"/>
-              <a:t>extend</a:t>
-            </a:r>
-            <a:r>
-              <a:rPr lang="zh-CN" altLang="en-US" dirty="0" smtClean="0"/>
-              <a:t>）</a:t>
-            </a:r>
-            <a:endParaRPr lang="en-US" altLang="zh-CN" dirty="0" smtClean="0"/>
-          </a:p>
-          <a:p>
-            <a:pPr lvl="1">
-              <a:lnSpc>
-                <a:spcPct val="120000"/>
-              </a:lnSpc>
-              <a:spcBef>
-                <a:spcPts val="0"/>
-              </a:spcBef>
-            </a:pPr>
-            <a:r>
-              <a:rPr lang="zh-CN" altLang="en-US" dirty="0" smtClean="0">
-                <a:latin typeface="楷体" panose="02010609060101010101" pitchFamily="49" charset="-122"/>
-                <a:ea typeface="楷体" panose="02010609060101010101" pitchFamily="49" charset="-122"/>
-              </a:rPr>
-              <a:t>在特定的情况下，对基本用例的延伸。</a:t>
-            </a:r>
-            <a:endParaRPr lang="en-US" altLang="zh-CN" dirty="0" smtClean="0">
-              <a:latin typeface="楷体" panose="02010609060101010101" pitchFamily="49" charset="-122"/>
-              <a:ea typeface="楷体" panose="02010609060101010101" pitchFamily="49" charset="-122"/>
-            </a:endParaRPr>
-          </a:p>
-          <a:p>
-            <a:pPr lvl="1">
-              <a:lnSpc>
-                <a:spcPct val="120000"/>
-              </a:lnSpc>
-              <a:spcBef>
-                <a:spcPts val="0"/>
-              </a:spcBef>
-            </a:pPr>
-            <a:r>
-              <a:rPr lang="zh-CN" altLang="en-US" dirty="0" smtClean="0">
-                <a:latin typeface="楷体" panose="02010609060101010101" pitchFamily="49" charset="-122"/>
-                <a:ea typeface="楷体" panose="02010609060101010101" pitchFamily="49" charset="-122"/>
-              </a:rPr>
-              <a:t>一</a:t>
-            </a:r>
-            <a:r>
-              <a:rPr lang="zh-CN" altLang="en-US" dirty="0">
-                <a:latin typeface="楷体" panose="02010609060101010101" pitchFamily="49" charset="-122"/>
-                <a:ea typeface="楷体" panose="02010609060101010101" pitchFamily="49" charset="-122"/>
-              </a:rPr>
-              <a:t>个用例被定义为基础用例的</a:t>
-            </a:r>
-            <a:r>
-              <a:rPr lang="zh-CN" altLang="en-US" dirty="0" smtClean="0">
-                <a:latin typeface="楷体" panose="02010609060101010101" pitchFamily="49" charset="-122"/>
-                <a:ea typeface="楷体" panose="02010609060101010101" pitchFamily="49" charset="-122"/>
-              </a:rPr>
-              <a:t>增量扩展</a:t>
-            </a:r>
-            <a:r>
-              <a:rPr lang="zh-CN" altLang="en-US" dirty="0">
-                <a:latin typeface="楷体" panose="02010609060101010101" pitchFamily="49" charset="-122"/>
-                <a:ea typeface="楷体" panose="02010609060101010101" pitchFamily="49" charset="-122"/>
-              </a:rPr>
-              <a:t>，是把新的行为插入到已有的用例中的</a:t>
-            </a:r>
-            <a:r>
-              <a:rPr lang="zh-CN" altLang="en-US" dirty="0" smtClean="0">
-                <a:latin typeface="楷体" panose="02010609060101010101" pitchFamily="49" charset="-122"/>
-                <a:ea typeface="楷体" panose="02010609060101010101" pitchFamily="49" charset="-122"/>
-              </a:rPr>
-              <a:t>办法。</a:t>
-            </a:r>
-            <a:endParaRPr lang="en-US" altLang="zh-CN" dirty="0" smtClean="0">
-              <a:latin typeface="楷体" panose="02010609060101010101" pitchFamily="49" charset="-122"/>
-              <a:ea typeface="楷体" panose="02010609060101010101" pitchFamily="49" charset="-122"/>
-            </a:endParaRPr>
-          </a:p>
-          <a:p>
-            <a:pPr lvl="1">
-              <a:lnSpc>
-                <a:spcPct val="120000"/>
-              </a:lnSpc>
-              <a:spcBef>
-                <a:spcPts val="0"/>
-              </a:spcBef>
-            </a:pPr>
-            <a:r>
-              <a:rPr lang="zh-CN" altLang="en-US" dirty="0" smtClean="0">
-                <a:latin typeface="楷体" panose="02010609060101010101" pitchFamily="49" charset="-122"/>
-                <a:ea typeface="楷体" panose="02010609060101010101" pitchFamily="49" charset="-122"/>
-              </a:rPr>
-              <a:t>比如：“登记赔偿”用例是对“归还图书”用例的扩展。</a:t>
-            </a:r>
-            <a:endParaRPr lang="en-US" altLang="zh-CN" dirty="0" smtClean="0">
-              <a:latin typeface="楷体" panose="02010609060101010101" pitchFamily="49" charset="-122"/>
-              <a:ea typeface="楷体" panose="02010609060101010101" pitchFamily="49" charset="-122"/>
-            </a:endParaRPr>
-          </a:p>
-        </p:txBody>
-      </p:sp>
-    </p:spTree>
-    <p:extLst>
-      <p:ext uri="{BB962C8B-B14F-4D97-AF65-F5344CB8AC3E}">
-        <p14:creationId xmlns:p14="http://schemas.microsoft.com/office/powerpoint/2010/main" val="4119047143"/>
-      </p:ext>
-    </p:extLst>
-  </p:cSld>
-  <p:clrMapOvr>
-    <a:masterClrMapping/>
-  </p:clrMapOvr>
-  <p:timing>
-    <p:tnLst>
-      <p:par>
-        <p:cTn id="1" dur="indefinite" restart="never" nodeType="tmRoot"/>
-      </p:par>
-    </p:tnLst>
-  </p:timing>
-</p:sld>
-</file>
-
-<file path=ppt/slides/slide21.xml><?xml version="1.0" encoding="utf-8"?>
-<p:sld xmlns:a="http://schemas.openxmlformats.org/drawingml/2006/main" xmlns:r="http://schemas.openxmlformats.org/officeDocument/2006/relationships" xmlns:p="http://schemas.openxmlformats.org/presentationml/2006/main">
-  <p:cSld>
-    <p:spTree>
-      <p:nvGrpSpPr>
-        <p:cNvPr id="1" name=""/>
-        <p:cNvGrpSpPr/>
-        <p:nvPr/>
-      </p:nvGrpSpPr>
-      <p:grpSpPr>
-        <a:xfrm>
-          <a:off x="0" y="0"/>
-          <a:ext cx="0" cy="0"/>
-          <a:chOff x="0" y="0"/>
-          <a:chExt cx="0" cy="0"/>
-        </a:xfrm>
-      </p:grpSpPr>
-      <p:sp>
-        <p:nvSpPr>
-          <p:cNvPr id="5122" name="Rectangle 2"/>
-          <p:cNvSpPr>
-            <a:spLocks noGrp="1" noChangeArrowheads="1"/>
-          </p:cNvSpPr>
-          <p:nvPr>
-            <p:ph type="title"/>
-          </p:nvPr>
-        </p:nvSpPr>
-        <p:spPr/>
-        <p:txBody>
-          <a:bodyPr>
-            <a:normAutofit/>
-          </a:bodyPr>
-          <a:lstStyle/>
-          <a:p>
-            <a:r>
-              <a:rPr lang="en-US" altLang="zh-CN" dirty="0" smtClean="0"/>
-              <a:t>7.3 </a:t>
-            </a:r>
-            <a:r>
-              <a:rPr lang="zh-CN" altLang="en-US" dirty="0" smtClean="0"/>
-              <a:t>建立用例的关系</a:t>
-            </a:r>
-          </a:p>
-        </p:txBody>
-      </p:sp>
-      <p:sp>
-        <p:nvSpPr>
-          <p:cNvPr id="5123" name="Rectangle 3"/>
-          <p:cNvSpPr>
-            <a:spLocks noGrp="1" noChangeArrowheads="1"/>
-          </p:cNvSpPr>
-          <p:nvPr>
-            <p:ph type="body" idx="1"/>
-          </p:nvPr>
-        </p:nvSpPr>
-        <p:spPr>
-          <a:xfrm>
-            <a:off x="1195750" y="1763667"/>
-            <a:ext cx="6798736" cy="729229"/>
-          </a:xfrm>
-        </p:spPr>
-        <p:txBody>
-          <a:bodyPr>
-            <a:normAutofit/>
-          </a:bodyPr>
-          <a:lstStyle/>
-          <a:p>
-            <a:pPr>
-              <a:lnSpc>
-                <a:spcPct val="120000"/>
-              </a:lnSpc>
-              <a:spcBef>
-                <a:spcPts val="0"/>
-              </a:spcBef>
-            </a:pPr>
-            <a:r>
-              <a:rPr lang="zh-CN" altLang="en-US" dirty="0"/>
-              <a:t>扩展</a:t>
-            </a:r>
-            <a:r>
-              <a:rPr lang="zh-CN" altLang="en-US" dirty="0" smtClean="0"/>
-              <a:t>关系</a:t>
-            </a:r>
-            <a:endParaRPr lang="en-US" altLang="zh-CN" dirty="0" smtClean="0"/>
+              <a:t>扩展关系</a:t>
+            </a:r>
+            <a:endParaRPr lang="en-US" altLang="zh-CN" dirty="0"/>
           </a:p>
         </p:txBody>
       </p:sp>
@@ -11169,10 +11370,9 @@
             <a:p>
               <a:pPr algn="ctr"/>
               <a:r>
-                <a:rPr lang="zh-CN" altLang="en-US" dirty="0" smtClean="0"/>
+                <a:rPr lang="zh-CN" altLang="en-US" dirty="0"/>
                 <a:t>图书管理员</a:t>
               </a:r>
-              <a:endParaRPr lang="zh-CN" altLang="en-US" dirty="0"/>
             </a:p>
           </p:txBody>
         </p:sp>
@@ -11253,10 +11453,9 @@
           <a:p>
             <a:pPr algn="ctr"/>
             <a:r>
-              <a:rPr lang="zh-CN" altLang="en-US" dirty="0" smtClean="0"/>
+              <a:rPr lang="zh-CN" altLang="en-US" dirty="0"/>
               <a:t>归还图书</a:t>
             </a:r>
-            <a:endParaRPr lang="zh-CN" altLang="en-US" dirty="0"/>
           </a:p>
         </p:txBody>
       </p:sp>
@@ -11301,10 +11500,9 @@
           <a:p>
             <a:pPr algn="ctr"/>
             <a:r>
-              <a:rPr lang="zh-CN" altLang="en-US" dirty="0" smtClean="0"/>
+              <a:rPr lang="zh-CN" altLang="en-US" dirty="0"/>
               <a:t>登记赔偿</a:t>
             </a:r>
-            <a:endParaRPr lang="zh-CN" altLang="en-US" dirty="0"/>
           </a:p>
         </p:txBody>
       </p:sp>
@@ -11368,7 +11566,7 @@
           <a:lstStyle/>
           <a:p>
             <a:r>
-              <a:rPr lang="en-US" altLang="zh-CN" dirty="0" smtClean="0"/>
+              <a:rPr lang="en-US" altLang="zh-CN" dirty="0"/>
               <a:t>&lt;&lt;extend&gt;&gt;</a:t>
             </a:r>
             <a:endParaRPr lang="zh-CN" altLang="en-US" dirty="0"/>
@@ -11436,17 +11634,10 @@
   <p:clrMapOvr>
     <a:masterClrMapping/>
   </p:clrMapOvr>
-  <p:timing>
-    <p:tnLst>
-      <p:par>
-        <p:cTn id="1" dur="indefinite" restart="never" nodeType="tmRoot"/>
-      </p:par>
-    </p:tnLst>
-  </p:timing>
 </p:sld>
 </file>
 
-<file path=ppt/slides/slide22.xml><?xml version="1.0" encoding="utf-8"?>
+<file path=ppt/slides/slide27.xml><?xml version="1.0" encoding="utf-8"?>
 <p:sld xmlns:a="http://schemas.openxmlformats.org/drawingml/2006/main" xmlns:r="http://schemas.openxmlformats.org/officeDocument/2006/relationships" xmlns:p="http://schemas.openxmlformats.org/presentationml/2006/main">
   <p:cSld>
     <p:spTree>
@@ -11481,11 +11672,11 @@
           <a:lstStyle/>
           <a:p>
             <a:r>
-              <a:rPr lang="en-US" altLang="zh-CN" dirty="0" smtClean="0"/>
+              <a:rPr lang="en-US" altLang="zh-CN" dirty="0"/>
               <a:t>7.3 </a:t>
             </a:r>
             <a:r>
-              <a:rPr lang="zh-CN" altLang="en-US" dirty="0" smtClean="0"/>
+              <a:rPr lang="zh-CN" altLang="en-US" dirty="0"/>
               <a:t>建立用例的关系</a:t>
             </a:r>
           </a:p>
@@ -11517,18 +11708,18 @@
               </a:spcBef>
             </a:pPr>
             <a:r>
-              <a:rPr lang="zh-CN" altLang="en-US" dirty="0" smtClean="0"/>
+              <a:rPr lang="zh-CN" altLang="en-US" dirty="0"/>
               <a:t>泛化关系（</a:t>
             </a:r>
             <a:r>
-              <a:rPr lang="en-US" altLang="zh-CN" dirty="0" smtClean="0"/>
+              <a:rPr lang="en-US" altLang="zh-CN" dirty="0"/>
               <a:t>extend</a:t>
             </a:r>
             <a:r>
-              <a:rPr lang="zh-CN" altLang="en-US" dirty="0" smtClean="0"/>
+              <a:rPr lang="zh-CN" altLang="en-US" dirty="0"/>
               <a:t>）</a:t>
             </a:r>
-            <a:endParaRPr lang="en-US" altLang="zh-CN" dirty="0" smtClean="0"/>
+            <a:endParaRPr lang="en-US" altLang="zh-CN" dirty="0"/>
           </a:p>
           <a:p>
             <a:pPr lvl="1">
@@ -11540,13 +11731,13 @@
               </a:spcBef>
             </a:pPr>
             <a:r>
-              <a:rPr lang="zh-CN" altLang="en-US" dirty="0" smtClean="0">
+              <a:rPr lang="zh-CN" altLang="en-US" dirty="0">
                 <a:latin typeface="楷体" panose="02010609060101010101" pitchFamily="49" charset="-122"/>
                 <a:ea typeface="楷体" panose="02010609060101010101" pitchFamily="49" charset="-122"/>
               </a:rPr>
               <a:t>如果多个用例在行为、结构和目的方面存在共性，可以使用泛化关系</a:t>
             </a:r>
-            <a:endParaRPr lang="en-US" altLang="zh-CN" dirty="0" smtClean="0">
+            <a:endParaRPr lang="en-US" altLang="zh-CN" dirty="0">
               <a:latin typeface="楷体" panose="02010609060101010101" pitchFamily="49" charset="-122"/>
               <a:ea typeface="楷体" panose="02010609060101010101" pitchFamily="49" charset="-122"/>
             </a:endParaRPr>
@@ -11561,13 +11752,13 @@
               </a:spcBef>
             </a:pPr>
             <a:r>
-              <a:rPr lang="zh-CN" altLang="en-US" dirty="0" smtClean="0">
+              <a:rPr lang="zh-CN" altLang="en-US" dirty="0">
                 <a:latin typeface="楷体" panose="02010609060101010101" pitchFamily="49" charset="-122"/>
                 <a:ea typeface="楷体" panose="02010609060101010101" pitchFamily="49" charset="-122"/>
               </a:rPr>
               <a:t>具体做法是：构造一个新的，抽象的父类用例描述共有部分。父用例随后被子用例特殊化，子用例继承父用例所有结构、行为和关系。</a:t>
             </a:r>
-            <a:endParaRPr lang="en-US" altLang="zh-CN" dirty="0" smtClean="0">
+            <a:endParaRPr lang="en-US" altLang="zh-CN" dirty="0">
               <a:latin typeface="楷体" panose="02010609060101010101" pitchFamily="49" charset="-122"/>
               <a:ea typeface="楷体" panose="02010609060101010101" pitchFamily="49" charset="-122"/>
             </a:endParaRPr>
@@ -11584,17 +11775,10 @@
   <p:clrMapOvr>
     <a:masterClrMapping/>
   </p:clrMapOvr>
-  <p:timing>
-    <p:tnLst>
-      <p:par>
-        <p:cTn id="1" dur="indefinite" restart="never" nodeType="tmRoot"/>
-      </p:par>
-    </p:tnLst>
-  </p:timing>
 </p:sld>
 </file>
 
-<file path=ppt/slides/slide23.xml><?xml version="1.0" encoding="utf-8"?>
+<file path=ppt/slides/slide28.xml><?xml version="1.0" encoding="utf-8"?>
 <p:sld xmlns:a="http://schemas.openxmlformats.org/drawingml/2006/main" xmlns:r="http://schemas.openxmlformats.org/officeDocument/2006/relationships" xmlns:p="http://schemas.openxmlformats.org/presentationml/2006/main">
   <p:cSld>
     <p:spTree>
@@ -11629,11 +11813,11 @@
           <a:lstStyle/>
           <a:p>
             <a:r>
-              <a:rPr lang="en-US" altLang="zh-CN" dirty="0" smtClean="0"/>
+              <a:rPr lang="en-US" altLang="zh-CN" dirty="0"/>
               <a:t>7.3 </a:t>
             </a:r>
             <a:r>
-              <a:rPr lang="zh-CN" altLang="en-US" dirty="0" smtClean="0"/>
+              <a:rPr lang="zh-CN" altLang="en-US" dirty="0"/>
               <a:t>建立用例的关系</a:t>
             </a:r>
           </a:p>
@@ -11670,10 +11854,10 @@
               </a:spcBef>
             </a:pPr>
             <a:r>
-              <a:rPr lang="zh-CN" altLang="en-US" dirty="0" smtClean="0"/>
+              <a:rPr lang="zh-CN" altLang="en-US" dirty="0"/>
               <a:t>用例的分组</a:t>
             </a:r>
-            <a:endParaRPr lang="en-US" altLang="zh-CN" dirty="0" smtClean="0"/>
+            <a:endParaRPr lang="en-US" altLang="zh-CN" dirty="0"/>
           </a:p>
           <a:p>
             <a:pPr lvl="1">
@@ -11685,18 +11869,18 @@
               </a:spcBef>
             </a:pPr>
             <a:r>
-              <a:rPr lang="zh-CN" altLang="en-US" dirty="0" smtClean="0"/>
+              <a:rPr lang="zh-CN" altLang="en-US" dirty="0"/>
               <a:t>一个复杂的系统会有较多的用例，为直观，方便理解，可以按用例主题（</a:t>
             </a:r>
             <a:r>
-              <a:rPr lang="en-US" altLang="zh-CN" dirty="0" smtClean="0"/>
+              <a:rPr lang="en-US" altLang="zh-CN" dirty="0"/>
               <a:t>subject</a:t>
             </a:r>
             <a:r>
-              <a:rPr lang="zh-CN" altLang="en-US" dirty="0" smtClean="0"/>
+              <a:rPr lang="zh-CN" altLang="en-US" dirty="0"/>
               <a:t>）划分为多个用例组。</a:t>
             </a:r>
-            <a:endParaRPr lang="en-US" altLang="zh-CN" dirty="0" smtClean="0"/>
+            <a:endParaRPr lang="en-US" altLang="zh-CN" dirty="0"/>
           </a:p>
           <a:p>
             <a:pPr lvl="1">
@@ -11708,10 +11892,10 @@
               </a:spcBef>
             </a:pPr>
             <a:r>
-              <a:rPr lang="zh-CN" altLang="en-US" dirty="0" smtClean="0"/>
+              <a:rPr lang="zh-CN" altLang="en-US" dirty="0"/>
               <a:t>一组用例放置在以主题命名的方框中。</a:t>
             </a:r>
-            <a:endParaRPr lang="en-US" altLang="zh-CN" dirty="0" smtClean="0"/>
+            <a:endParaRPr lang="en-US" altLang="zh-CN" dirty="0"/>
           </a:p>
         </p:txBody>
       </p:sp>
@@ -11725,17 +11909,10 @@
   <p:clrMapOvr>
     <a:masterClrMapping/>
   </p:clrMapOvr>
-  <p:timing>
-    <p:tnLst>
-      <p:par>
-        <p:cTn id="1" dur="indefinite" restart="never" nodeType="tmRoot"/>
-      </p:par>
-    </p:tnLst>
-  </p:timing>
 </p:sld>
 </file>
 
-<file path=ppt/slides/slide24.xml><?xml version="1.0" encoding="utf-8"?>
+<file path=ppt/slides/slide29.xml><?xml version="1.0" encoding="utf-8"?>
 <p:sld xmlns:a="http://schemas.openxmlformats.org/drawingml/2006/main" xmlns:r="http://schemas.openxmlformats.org/officeDocument/2006/relationships" xmlns:p="http://schemas.openxmlformats.org/presentationml/2006/main">
   <p:cSld>
     <p:spTree>
@@ -11770,11 +11947,11 @@
           <a:lstStyle/>
           <a:p>
             <a:r>
-              <a:rPr lang="en-US" altLang="zh-CN" dirty="0" smtClean="0"/>
+              <a:rPr lang="en-US" altLang="zh-CN" dirty="0"/>
               <a:t>7.3 </a:t>
             </a:r>
             <a:r>
-              <a:rPr lang="zh-CN" altLang="en-US" dirty="0" smtClean="0"/>
+              <a:rPr lang="zh-CN" altLang="en-US" dirty="0"/>
               <a:t>建立用例的关系</a:t>
             </a:r>
           </a:p>
@@ -11798,7 +11975,7 @@
         </p:spPr>
         <p:txBody>
           <a:bodyPr>
-            <a:normAutofit lnSpcReduction="10000"/>
+            <a:normAutofit/>
           </a:bodyPr>
           <a:lstStyle/>
           <a:p>
@@ -11811,10 +11988,10 @@
               </a:spcBef>
             </a:pPr>
             <a:r>
-              <a:rPr lang="zh-CN" altLang="en-US" dirty="0" smtClean="0"/>
+              <a:rPr lang="zh-CN" altLang="en-US" dirty="0"/>
               <a:t>用例的分组</a:t>
             </a:r>
-            <a:endParaRPr lang="en-US" altLang="zh-CN" dirty="0" smtClean="0"/>
+            <a:endParaRPr lang="en-US" altLang="zh-CN" dirty="0"/>
           </a:p>
         </p:txBody>
       </p:sp>
@@ -11852,13 +12029,6 @@
   <p:clrMapOvr>
     <a:masterClrMapping/>
   </p:clrMapOvr>
-  <p:timing>
-    <p:tnLst>
-      <p:par>
-        <p:cTn id="1" dur="indefinite" restart="never" nodeType="tmRoot"/>
-      </p:par>
-    </p:tnLst>
-  </p:timing>
 </p:sld>
 </file>
 
@@ -11897,16 +12067,12 @@
           <a:lstStyle/>
           <a:p>
             <a:r>
-              <a:rPr lang="en-US" altLang="zh-CN" dirty="0" smtClean="0"/>
+              <a:rPr lang="en-US" altLang="zh-CN" dirty="0"/>
               <a:t>7.1</a:t>
             </a:r>
             <a:r>
               <a:rPr lang="zh-CN" altLang="en-US" dirty="0"/>
-              <a:t>基于用例的</a:t>
-            </a:r>
-            <a:r>
-              <a:rPr lang="zh-CN" altLang="en-US" dirty="0" smtClean="0"/>
-              <a:t>需求分析</a:t>
+              <a:t>基于用例的需求分析</a:t>
             </a:r>
           </a:p>
         </p:txBody>
@@ -11937,30 +12103,22 @@
               </a:spcBef>
             </a:pPr>
             <a:r>
-              <a:rPr lang="zh-CN" altLang="en-US" b="1" dirty="0" smtClean="0"/>
+              <a:rPr lang="zh-CN" altLang="en-US" b="1" dirty="0"/>
               <a:t>用例</a:t>
             </a:r>
             <a:r>
-              <a:rPr lang="zh-CN" altLang="en-US" dirty="0" smtClean="0"/>
-              <a:t>是</a:t>
-            </a:r>
-            <a:r>
               <a:rPr lang="zh-CN" altLang="en-US" dirty="0"/>
-              <a:t>对包括变量在内的一组动作序列的描述，系统执行这些动作</a:t>
-            </a:r>
-            <a:r>
-              <a:rPr lang="zh-CN" altLang="en-US" dirty="0" smtClean="0"/>
-              <a:t>，会对特定参与者（</a:t>
-            </a:r>
-            <a:r>
-              <a:rPr lang="en-US" altLang="zh-CN" dirty="0" smtClean="0"/>
+              <a:t>是对包括变量在内的一组动作序列的描述，系统执行这些动作，会对特定参与者（</a:t>
+            </a:r>
+            <a:r>
+              <a:rPr lang="en-US" altLang="zh-CN" dirty="0"/>
               <a:t>actor</a:t>
             </a:r>
             <a:r>
-              <a:rPr lang="zh-CN" altLang="en-US" dirty="0" smtClean="0"/>
+              <a:rPr lang="zh-CN" altLang="en-US" dirty="0"/>
               <a:t>）产生可观测的有价值的结果。</a:t>
             </a:r>
-            <a:endParaRPr lang="en-US" altLang="zh-CN" dirty="0" smtClean="0"/>
+            <a:endParaRPr lang="en-US" altLang="zh-CN" dirty="0"/>
           </a:p>
           <a:p>
             <a:pPr eaLnBrk="1" hangingPunct="1">
@@ -11972,22 +12130,18 @@
               </a:spcBef>
             </a:pPr>
             <a:r>
-              <a:rPr lang="zh-CN" altLang="en-US" dirty="0" smtClean="0"/>
+              <a:rPr lang="zh-CN" altLang="en-US" dirty="0"/>
               <a:t>在面向对象方法中，通过用例（</a:t>
             </a:r>
             <a:r>
-              <a:rPr lang="en-US" altLang="zh-CN" dirty="0" smtClean="0"/>
-              <a:t>use </a:t>
-            </a:r>
-            <a:r>
               <a:rPr lang="en-US" altLang="zh-CN" dirty="0"/>
-              <a:t>case</a:t>
-            </a:r>
-            <a:r>
-              <a:rPr lang="zh-CN" altLang="en-US" dirty="0" smtClean="0"/>
+              <a:t>use case</a:t>
+            </a:r>
+            <a:r>
+              <a:rPr lang="zh-CN" altLang="en-US" dirty="0"/>
               <a:t>）描述需求。</a:t>
             </a:r>
-            <a:endParaRPr lang="en-US" altLang="zh-CN" dirty="0" smtClean="0"/>
+            <a:endParaRPr lang="en-US" altLang="zh-CN" dirty="0"/>
           </a:p>
           <a:p>
             <a:pPr eaLnBrk="1" hangingPunct="1">
@@ -11999,7 +12153,7 @@
               </a:spcBef>
             </a:pPr>
             <a:r>
-              <a:rPr lang="zh-CN" altLang="en-US" dirty="0" smtClean="0"/>
+              <a:rPr lang="zh-CN" altLang="en-US" dirty="0"/>
               <a:t>全部的用例，构成用例模型</a:t>
             </a:r>
           </a:p>
@@ -12015,13 +12169,6 @@
   <p:clrMapOvr>
     <a:masterClrMapping/>
   </p:clrMapOvr>
-  <p:timing>
-    <p:tnLst>
-      <p:par>
-        <p:cTn id="1" dur="indefinite" restart="never" nodeType="tmRoot"/>
-      </p:par>
-    </p:tnLst>
-  </p:timing>
 </p:sld>
 </file>
 
@@ -12060,7 +12207,7 @@
           <a:lstStyle/>
           <a:p>
             <a:r>
-              <a:rPr lang="zh-CN" altLang="en-US" dirty="0" smtClean="0"/>
+              <a:rPr lang="zh-CN" altLang="en-US" dirty="0"/>
               <a:t>系统边界</a:t>
             </a:r>
           </a:p>
@@ -12092,10 +12239,10 @@
               </a:spcBef>
             </a:pPr>
             <a:r>
-              <a:rPr lang="zh-CN" altLang="en-US" b="1" dirty="0" smtClean="0"/>
+              <a:rPr lang="zh-CN" altLang="en-US" b="1" dirty="0"/>
               <a:t>系统边界表示全部用例的范围。</a:t>
             </a:r>
-            <a:endParaRPr lang="en-US" altLang="zh-CN" b="1" dirty="0" smtClean="0"/>
+            <a:endParaRPr lang="en-US" altLang="zh-CN" b="1" dirty="0"/>
           </a:p>
           <a:p>
             <a:pPr lvl="1">
@@ -12107,27 +12254,13 @@
               </a:spcBef>
             </a:pPr>
             <a:r>
-              <a:rPr lang="zh-CN" altLang="en-US" b="1" dirty="0" smtClean="0">
-                <a:latin typeface="楷体" panose="02010609060101010101" pitchFamily="49" charset="-122"/>
-                <a:ea typeface="楷体" panose="02010609060101010101" pitchFamily="49" charset="-122"/>
-              </a:rPr>
-              <a:t>边界</a:t>
-            </a:r>
-            <a:r>
               <a:rPr lang="zh-CN" altLang="en-US" b="1" dirty="0">
                 <a:latin typeface="楷体" panose="02010609060101010101" pitchFamily="49" charset="-122"/>
                 <a:ea typeface="楷体" panose="02010609060101010101" pitchFamily="49" charset="-122"/>
               </a:rPr>
-              <a:t>内表示系统</a:t>
-            </a:r>
-            <a:r>
-              <a:rPr lang="zh-CN" altLang="en-US" b="1" dirty="0" smtClean="0">
-                <a:latin typeface="楷体" panose="02010609060101010101" pitchFamily="49" charset="-122"/>
-                <a:ea typeface="楷体" panose="02010609060101010101" pitchFamily="49" charset="-122"/>
-              </a:rPr>
-              <a:t>的用例组成部分，</a:t>
-            </a:r>
-            <a:endParaRPr lang="en-US" altLang="zh-CN" b="1" dirty="0" smtClean="0">
+              <a:t>边界内表示系统的用例组成部分，</a:t>
+            </a:r>
+            <a:endParaRPr lang="en-US" altLang="zh-CN" b="1" dirty="0">
               <a:latin typeface="楷体" panose="02010609060101010101" pitchFamily="49" charset="-122"/>
               <a:ea typeface="楷体" panose="02010609060101010101" pitchFamily="49" charset="-122"/>
             </a:endParaRPr>
@@ -12142,27 +12275,13 @@
               </a:spcBef>
             </a:pPr>
             <a:r>
-              <a:rPr lang="zh-CN" altLang="en-US" b="1" dirty="0" smtClean="0">
-                <a:latin typeface="楷体" panose="02010609060101010101" pitchFamily="49" charset="-122"/>
-                <a:ea typeface="楷体" panose="02010609060101010101" pitchFamily="49" charset="-122"/>
-              </a:rPr>
-              <a:t>边界</a:t>
-            </a:r>
-            <a:r>
               <a:rPr lang="zh-CN" altLang="en-US" b="1" dirty="0">
                 <a:latin typeface="楷体" panose="02010609060101010101" pitchFamily="49" charset="-122"/>
                 <a:ea typeface="楷体" panose="02010609060101010101" pitchFamily="49" charset="-122"/>
               </a:rPr>
-              <a:t>外表示系统</a:t>
-            </a:r>
-            <a:r>
-              <a:rPr lang="zh-CN" altLang="en-US" b="1" dirty="0" smtClean="0">
-                <a:latin typeface="楷体" panose="02010609060101010101" pitchFamily="49" charset="-122"/>
-                <a:ea typeface="楷体" panose="02010609060101010101" pitchFamily="49" charset="-122"/>
-              </a:rPr>
-              <a:t>外部，是参与者。</a:t>
-            </a:r>
-            <a:endParaRPr lang="en-US" altLang="zh-CN" b="1" dirty="0" smtClean="0">
+              <a:t>边界外表示系统外部，是参与者。</a:t>
+            </a:r>
+            <a:endParaRPr lang="en-US" altLang="zh-CN" b="1" dirty="0">
               <a:latin typeface="楷体" panose="02010609060101010101" pitchFamily="49" charset="-122"/>
               <a:ea typeface="楷体" panose="02010609060101010101" pitchFamily="49" charset="-122"/>
             </a:endParaRPr>
@@ -12177,27 +12296,13 @@
               </a:spcBef>
             </a:pPr>
             <a:r>
-              <a:rPr lang="zh-CN" altLang="en-US" b="1" dirty="0" smtClean="0">
-                <a:latin typeface="楷体" panose="02010609060101010101" pitchFamily="49" charset="-122"/>
-                <a:ea typeface="楷体" panose="02010609060101010101" pitchFamily="49" charset="-122"/>
-              </a:rPr>
-              <a:t>系统边界</a:t>
-            </a:r>
-            <a:r>
               <a:rPr lang="zh-CN" altLang="en-US" b="1" dirty="0">
                 <a:latin typeface="楷体" panose="02010609060101010101" pitchFamily="49" charset="-122"/>
                 <a:ea typeface="楷体" panose="02010609060101010101" pitchFamily="49" charset="-122"/>
               </a:rPr>
-              <a:t>在画图中用方框来表示，同时附上系统的名称，参与者画在边界的外面，用例画在边界里面</a:t>
-            </a:r>
-            <a:r>
-              <a:rPr lang="zh-CN" altLang="en-US" b="1" dirty="0" smtClean="0">
-                <a:latin typeface="楷体" panose="02010609060101010101" pitchFamily="49" charset="-122"/>
-                <a:ea typeface="楷体" panose="02010609060101010101" pitchFamily="49" charset="-122"/>
-              </a:rPr>
-              <a:t>。</a:t>
-            </a:r>
-            <a:endParaRPr lang="zh-CN" altLang="en-US" dirty="0" smtClean="0">
+              <a:t>系统边界在画图中用方框来表示，同时附上系统的名称，参与者画在边界的外面，用例画在边界里面。</a:t>
+            </a:r>
+            <a:endParaRPr lang="zh-CN" altLang="en-US" dirty="0">
               <a:latin typeface="楷体" panose="02010609060101010101" pitchFamily="49" charset="-122"/>
               <a:ea typeface="楷体" panose="02010609060101010101" pitchFamily="49" charset="-122"/>
             </a:endParaRPr>
@@ -12214,13 +12319,6 @@
   <p:clrMapOvr>
     <a:masterClrMapping/>
   </p:clrMapOvr>
-  <p:timing>
-    <p:tnLst>
-      <p:par>
-        <p:cTn id="1" dur="indefinite" restart="never" nodeType="tmRoot"/>
-      </p:par>
-    </p:tnLst>
-  </p:timing>
 </p:sld>
 </file>
 
@@ -12259,11 +12357,11 @@
           <a:lstStyle/>
           <a:p>
             <a:r>
-              <a:rPr lang="en-US" altLang="zh-CN" dirty="0" smtClean="0"/>
+              <a:rPr lang="en-US" altLang="zh-CN" dirty="0"/>
               <a:t>7.1.2 </a:t>
             </a:r>
             <a:r>
-              <a:rPr lang="zh-CN" altLang="en-US" dirty="0" smtClean="0"/>
+              <a:rPr lang="zh-CN" altLang="en-US" dirty="0"/>
               <a:t>识别参与者</a:t>
             </a:r>
           </a:p>
@@ -12300,18 +12398,18 @@
               </a:spcBef>
             </a:pPr>
             <a:r>
-              <a:rPr lang="zh-CN" altLang="en-US" b="1" dirty="0" smtClean="0"/>
+              <a:rPr lang="zh-CN" altLang="en-US" b="1" dirty="0"/>
               <a:t>确定谁是参与者（</a:t>
             </a:r>
             <a:r>
-              <a:rPr lang="en-US" altLang="zh-CN" b="1" dirty="0" smtClean="0"/>
+              <a:rPr lang="en-US" altLang="zh-CN" b="1" dirty="0"/>
               <a:t>actor</a:t>
             </a:r>
             <a:r>
-              <a:rPr lang="zh-CN" altLang="en-US" b="1" dirty="0" smtClean="0"/>
+              <a:rPr lang="zh-CN" altLang="en-US" b="1" dirty="0"/>
               <a:t>）</a:t>
             </a:r>
-            <a:endParaRPr lang="en-US" altLang="zh-CN" b="1" dirty="0" smtClean="0"/>
+            <a:endParaRPr lang="en-US" altLang="zh-CN" b="1" dirty="0"/>
           </a:p>
           <a:p>
             <a:pPr>
@@ -12323,10 +12421,10 @@
               </a:spcBef>
             </a:pPr>
             <a:r>
-              <a:rPr lang="zh-CN" altLang="en-US" b="1" dirty="0" smtClean="0"/>
+              <a:rPr lang="zh-CN" altLang="en-US" b="1" dirty="0"/>
               <a:t>参与者是系统之外与系统进行交互的任何事物。</a:t>
             </a:r>
-            <a:endParaRPr lang="en-US" altLang="zh-CN" b="1" dirty="0" smtClean="0"/>
+            <a:endParaRPr lang="en-US" altLang="zh-CN" b="1" dirty="0"/>
           </a:p>
           <a:p>
             <a:pPr lvl="1">
@@ -12338,10 +12436,10 @@
               </a:spcBef>
             </a:pPr>
             <a:r>
-              <a:rPr lang="zh-CN" altLang="en-US" b="1" dirty="0" smtClean="0"/>
+              <a:rPr lang="zh-CN" altLang="en-US" b="1" dirty="0"/>
               <a:t>系统的用户，</a:t>
             </a:r>
-            <a:endParaRPr lang="en-US" altLang="zh-CN" b="1" dirty="0" smtClean="0"/>
+            <a:endParaRPr lang="en-US" altLang="zh-CN" b="1" dirty="0"/>
           </a:p>
           <a:p>
             <a:pPr lvl="1">
@@ -12353,10 +12451,10 @@
               </a:spcBef>
             </a:pPr>
             <a:r>
-              <a:rPr lang="zh-CN" altLang="en-US" b="1" dirty="0" smtClean="0"/>
+              <a:rPr lang="zh-CN" altLang="en-US" b="1" dirty="0"/>
               <a:t>外部硬件，</a:t>
             </a:r>
-            <a:endParaRPr lang="en-US" altLang="zh-CN" b="1" dirty="0" smtClean="0"/>
+            <a:endParaRPr lang="en-US" altLang="zh-CN" b="1" dirty="0"/>
           </a:p>
           <a:p>
             <a:pPr lvl="1">
@@ -12368,10 +12466,10 @@
               </a:spcBef>
             </a:pPr>
             <a:r>
-              <a:rPr lang="zh-CN" altLang="en-US" b="1" dirty="0" smtClean="0"/>
+              <a:rPr lang="zh-CN" altLang="en-US" b="1" dirty="0"/>
               <a:t>其他系统。</a:t>
             </a:r>
-            <a:endParaRPr lang="en-US" altLang="zh-CN" b="1" dirty="0" smtClean="0"/>
+            <a:endParaRPr lang="en-US" altLang="zh-CN" b="1" dirty="0"/>
           </a:p>
         </p:txBody>
       </p:sp>
@@ -12594,10 +12692,9 @@
             <a:p>
               <a:pPr algn="ctr"/>
               <a:r>
-                <a:rPr lang="zh-CN" altLang="en-US" dirty="0" smtClean="0"/>
+                <a:rPr lang="zh-CN" altLang="en-US" dirty="0"/>
                 <a:t>读者</a:t>
               </a:r>
-              <a:endParaRPr lang="zh-CN" altLang="en-US" dirty="0"/>
             </a:p>
           </p:txBody>
         </p:sp>
@@ -12821,10 +12918,9 @@
             <a:p>
               <a:pPr algn="ctr"/>
               <a:r>
-                <a:rPr lang="zh-CN" altLang="en-US" dirty="0" smtClean="0"/>
+                <a:rPr lang="zh-CN" altLang="en-US" dirty="0"/>
                 <a:t>图书管理员</a:t>
               </a:r>
-              <a:endParaRPr lang="zh-CN" altLang="en-US" dirty="0"/>
             </a:p>
           </p:txBody>
         </p:sp>
@@ -12865,10 +12961,9 @@
           <a:p>
             <a:pPr algn="ctr"/>
             <a:r>
-              <a:rPr lang="zh-CN" altLang="en-US" dirty="0" smtClean="0"/>
+              <a:rPr lang="zh-CN" altLang="en-US" dirty="0"/>
               <a:t>图书管理系统</a:t>
             </a:r>
-            <a:endParaRPr lang="zh-CN" altLang="en-US" dirty="0"/>
           </a:p>
         </p:txBody>
       </p:sp>
@@ -12948,13 +13043,6 @@
   <p:clrMapOvr>
     <a:masterClrMapping/>
   </p:clrMapOvr>
-  <p:timing>
-    <p:tnLst>
-      <p:par>
-        <p:cTn id="1" dur="indefinite" restart="never" nodeType="tmRoot"/>
-      </p:par>
-    </p:tnLst>
-  </p:timing>
 </p:sld>
 </file>
 
@@ -12993,7 +13081,7 @@
           <a:lstStyle/>
           <a:p>
             <a:r>
-              <a:rPr lang="zh-CN" altLang="en-US" dirty="0" smtClean="0"/>
+              <a:rPr lang="zh-CN" altLang="en-US" dirty="0"/>
               <a:t>主要参与者与次要参与者</a:t>
             </a:r>
           </a:p>
@@ -13030,18 +13118,18 @@
               </a:spcBef>
             </a:pPr>
             <a:r>
-              <a:rPr lang="zh-CN" altLang="en-US" b="1" dirty="0" smtClean="0"/>
+              <a:rPr lang="zh-CN" altLang="en-US" b="1" dirty="0"/>
               <a:t>主要参与者（</a:t>
             </a:r>
             <a:r>
-              <a:rPr lang="en-US" altLang="zh-CN" b="1" dirty="0" smtClean="0"/>
+              <a:rPr lang="en-US" altLang="zh-CN" b="1" dirty="0"/>
               <a:t>primary actor</a:t>
             </a:r>
             <a:r>
-              <a:rPr lang="zh-CN" altLang="en-US" b="1" dirty="0" smtClean="0"/>
+              <a:rPr lang="zh-CN" altLang="en-US" b="1" dirty="0"/>
               <a:t>）</a:t>
             </a:r>
-            <a:endParaRPr lang="en-US" altLang="zh-CN" b="1" dirty="0" smtClean="0"/>
+            <a:endParaRPr lang="en-US" altLang="zh-CN" b="1" dirty="0"/>
           </a:p>
           <a:p>
             <a:pPr lvl="1">
@@ -13053,10 +13141,10 @@
               </a:spcBef>
             </a:pPr>
             <a:r>
-              <a:rPr lang="zh-CN" altLang="en-US" b="1" dirty="0" smtClean="0"/>
+              <a:rPr lang="zh-CN" altLang="en-US" b="1" dirty="0"/>
               <a:t>从系统中直接获得可度量价值的用户</a:t>
             </a:r>
-            <a:endParaRPr lang="en-US" altLang="zh-CN" b="1" dirty="0" smtClean="0"/>
+            <a:endParaRPr lang="en-US" altLang="zh-CN" b="1" dirty="0"/>
           </a:p>
           <a:p>
             <a:pPr lvl="1">
@@ -13068,10 +13156,10 @@
               </a:spcBef>
             </a:pPr>
             <a:r>
-              <a:rPr lang="zh-CN" altLang="en-US" b="1" dirty="0" smtClean="0"/>
+              <a:rPr lang="zh-CN" altLang="en-US" b="1" dirty="0"/>
               <a:t>开发用例的重点是找到主要参与者</a:t>
             </a:r>
-            <a:endParaRPr lang="en-US" altLang="zh-CN" b="1" dirty="0" smtClean="0"/>
+            <a:endParaRPr lang="en-US" altLang="zh-CN" b="1" dirty="0"/>
           </a:p>
           <a:p>
             <a:pPr>
@@ -13083,18 +13171,18 @@
               </a:spcBef>
             </a:pPr>
             <a:r>
-              <a:rPr lang="zh-CN" altLang="en-US" b="1" dirty="0" smtClean="0"/>
+              <a:rPr lang="zh-CN" altLang="en-US" b="1" dirty="0"/>
               <a:t>次要参与者（</a:t>
             </a:r>
             <a:r>
-              <a:rPr lang="en-US" altLang="zh-CN" b="1" dirty="0" smtClean="0"/>
+              <a:rPr lang="en-US" altLang="zh-CN" b="1" dirty="0"/>
               <a:t>secondary actor</a:t>
             </a:r>
             <a:r>
-              <a:rPr lang="zh-CN" altLang="en-US" b="1" dirty="0" smtClean="0"/>
+              <a:rPr lang="zh-CN" altLang="en-US" b="1" dirty="0"/>
               <a:t>）</a:t>
             </a:r>
-            <a:endParaRPr lang="en-US" altLang="zh-CN" b="1" dirty="0" smtClean="0"/>
+            <a:endParaRPr lang="en-US" altLang="zh-CN" b="1" dirty="0"/>
           </a:p>
           <a:p>
             <a:pPr lvl="1">
@@ -13106,10 +13194,10 @@
               </a:spcBef>
             </a:pPr>
             <a:r>
-              <a:rPr lang="zh-CN" altLang="en-US" b="1" dirty="0" smtClean="0"/>
+              <a:rPr lang="zh-CN" altLang="en-US" b="1" dirty="0"/>
               <a:t>在用例中起支持作用，不能脱离主要参与者。</a:t>
             </a:r>
-            <a:endParaRPr lang="en-US" altLang="zh-CN" b="1" dirty="0" smtClean="0"/>
+            <a:endParaRPr lang="en-US" altLang="zh-CN" b="1" dirty="0"/>
           </a:p>
         </p:txBody>
       </p:sp>
@@ -13123,13 +13211,6 @@
   <p:clrMapOvr>
     <a:masterClrMapping/>
   </p:clrMapOvr>
-  <p:timing>
-    <p:tnLst>
-      <p:par>
-        <p:cTn id="1" dur="indefinite" restart="never" nodeType="tmRoot"/>
-      </p:par>
-    </p:tnLst>
-  </p:timing>
 </p:sld>
 </file>
 
@@ -13168,14 +13249,14 @@
           <a:lstStyle/>
           <a:p>
             <a:r>
-              <a:rPr lang="zh-CN" altLang="en-US" dirty="0" smtClean="0"/>
+              <a:rPr lang="zh-CN" altLang="en-US" dirty="0"/>
               <a:t>参与者的泛化</a:t>
             </a:r>
             <a:r>
-              <a:rPr lang="en-US" altLang="zh-CN" dirty="0" smtClean="0"/>
+              <a:rPr lang="en-US" altLang="zh-CN" dirty="0"/>
               <a:t>generalization</a:t>
             </a:r>
-            <a:endParaRPr lang="zh-CN" altLang="en-US" dirty="0" smtClean="0"/>
+            <a:endParaRPr lang="zh-CN" altLang="en-US" dirty="0"/>
           </a:p>
         </p:txBody>
       </p:sp>
@@ -13210,10 +13291,10 @@
               </a:spcBef>
             </a:pPr>
             <a:r>
-              <a:rPr lang="zh-CN" altLang="en-US" b="1" dirty="0" smtClean="0"/>
+              <a:rPr lang="zh-CN" altLang="en-US" b="1" dirty="0"/>
               <a:t>在某些情况下，参与者的角色可以共享。</a:t>
             </a:r>
-            <a:endParaRPr lang="en-US" altLang="zh-CN" b="1" dirty="0" smtClean="0"/>
+            <a:endParaRPr lang="en-US" altLang="zh-CN" b="1" dirty="0"/>
           </a:p>
           <a:p>
             <a:pPr lvl="1">
@@ -13225,10 +13306,10 @@
               </a:spcBef>
             </a:pPr>
             <a:r>
-              <a:rPr lang="zh-CN" altLang="en-US" b="1" dirty="0" smtClean="0"/>
+              <a:rPr lang="zh-CN" altLang="en-US" b="1" dirty="0"/>
               <a:t>比如，在超市系统中，值班经理完全可以充当收银员的角色。</a:t>
             </a:r>
-            <a:endParaRPr lang="en-US" altLang="zh-CN" b="1" dirty="0" smtClean="0"/>
+            <a:endParaRPr lang="en-US" altLang="zh-CN" b="1" dirty="0"/>
           </a:p>
           <a:p>
             <a:pPr lvl="1">
@@ -13240,7 +13321,7 @@
               </a:spcBef>
             </a:pPr>
             <a:r>
-              <a:rPr lang="zh-CN" altLang="en-US" b="1" dirty="0" smtClean="0"/>
+              <a:rPr lang="zh-CN" altLang="en-US" b="1" dirty="0"/>
               <a:t>但是值班经理还可以退货。</a:t>
             </a:r>
             <a:endParaRPr lang="en-US" altLang="zh-CN" b="1" dirty="0"/>
@@ -13255,10 +13336,10 @@
               </a:spcBef>
             </a:pPr>
             <a:r>
-              <a:rPr lang="zh-CN" altLang="en-US" b="1" dirty="0" smtClean="0"/>
+              <a:rPr lang="zh-CN" altLang="en-US" b="1" dirty="0"/>
               <a:t>他们之间构成的关系称为参与者的泛化</a:t>
             </a:r>
-            <a:endParaRPr lang="en-US" altLang="zh-CN" b="1" dirty="0" smtClean="0"/>
+            <a:endParaRPr lang="en-US" altLang="zh-CN" b="1" dirty="0"/>
           </a:p>
           <a:p>
             <a:pPr lvl="1">
@@ -13271,21 +13352,17 @@
             </a:pPr>
             <a:r>
               <a:rPr lang="zh-CN" altLang="en-US" b="1" dirty="0"/>
-              <a:t>收银</a:t>
-            </a:r>
-            <a:r>
-              <a:rPr lang="zh-CN" altLang="en-US" b="1" dirty="0" smtClean="0"/>
-              <a:t>员是父角色（</a:t>
-            </a:r>
-            <a:r>
-              <a:rPr lang="en-US" altLang="zh-CN" b="1" dirty="0" smtClean="0"/>
+              <a:t>收银员是父角色（</a:t>
+            </a:r>
+            <a:r>
+              <a:rPr lang="en-US" altLang="zh-CN" b="1" dirty="0"/>
               <a:t>super role</a:t>
             </a:r>
             <a:r>
-              <a:rPr lang="zh-CN" altLang="en-US" b="1" dirty="0" smtClean="0"/>
+              <a:rPr lang="zh-CN" altLang="en-US" b="1" dirty="0"/>
               <a:t>）</a:t>
             </a:r>
-            <a:endParaRPr lang="en-US" altLang="zh-CN" b="1" dirty="0" smtClean="0"/>
+            <a:endParaRPr lang="en-US" altLang="zh-CN" b="1" dirty="0"/>
           </a:p>
           <a:p>
             <a:pPr lvl="1">
@@ -13297,15 +13374,15 @@
               </a:spcBef>
             </a:pPr>
             <a:r>
-              <a:rPr lang="zh-CN" altLang="en-US" b="1" dirty="0" smtClean="0"/>
+              <a:rPr lang="zh-CN" altLang="en-US" b="1" dirty="0"/>
               <a:t>值班经理是子角色（</a:t>
             </a:r>
             <a:r>
-              <a:rPr lang="en-US" altLang="zh-CN" b="1" dirty="0" smtClean="0"/>
+              <a:rPr lang="en-US" altLang="zh-CN" b="1" dirty="0"/>
               <a:t>sub role</a:t>
             </a:r>
             <a:r>
-              <a:rPr lang="zh-CN" altLang="en-US" b="1" dirty="0" smtClean="0"/>
+              <a:rPr lang="zh-CN" altLang="en-US" b="1" dirty="0"/>
               <a:t>）</a:t>
             </a:r>
             <a:endParaRPr lang="en-US" altLang="zh-CN" b="1" dirty="0"/>
@@ -13322,13 +13399,6 @@
   <p:clrMapOvr>
     <a:masterClrMapping/>
   </p:clrMapOvr>
-  <p:timing>
-    <p:tnLst>
-      <p:par>
-        <p:cTn id="1" dur="indefinite" restart="never" nodeType="tmRoot"/>
-      </p:par>
-    </p:tnLst>
-  </p:timing>
 </p:sld>
 </file>
 
@@ -13374,7 +13444,7 @@
               <a:rPr lang="en-US" altLang="zh-CN" dirty="0"/>
               <a:t>generalization</a:t>
             </a:r>
-            <a:endParaRPr lang="zh-CN" altLang="en-US" dirty="0" smtClean="0"/>
+            <a:endParaRPr lang="zh-CN" altLang="en-US" dirty="0"/>
           </a:p>
         </p:txBody>
       </p:sp>
@@ -13409,10 +13479,10 @@
               </a:spcBef>
             </a:pPr>
             <a:r>
-              <a:rPr lang="zh-CN" altLang="en-US" b="1" dirty="0" smtClean="0"/>
+              <a:rPr lang="zh-CN" altLang="en-US" b="1" dirty="0"/>
               <a:t>图中红色的三角形箭头表示泛化，表示值班经理可以继承收银员的所有交互行为。</a:t>
             </a:r>
-            <a:endParaRPr lang="en-US" altLang="zh-CN" b="1" dirty="0" smtClean="0"/>
+            <a:endParaRPr lang="en-US" altLang="zh-CN" b="1" dirty="0"/>
           </a:p>
         </p:txBody>
       </p:sp>
@@ -13861,10 +13931,9 @@
             <a:p>
               <a:pPr algn="ctr"/>
               <a:r>
-                <a:rPr lang="zh-CN" altLang="en-US" dirty="0" smtClean="0"/>
+                <a:rPr lang="zh-CN" altLang="en-US" dirty="0"/>
                 <a:t>值班经理</a:t>
               </a:r>
-              <a:endParaRPr lang="zh-CN" altLang="en-US" dirty="0"/>
             </a:p>
           </p:txBody>
         </p:sp>
@@ -14019,10 +14088,9 @@
           <a:p>
             <a:pPr algn="ctr"/>
             <a:r>
-              <a:rPr lang="zh-CN" altLang="en-US" dirty="0" smtClean="0"/>
+              <a:rPr lang="zh-CN" altLang="en-US" dirty="0"/>
               <a:t>销售</a:t>
             </a:r>
-            <a:endParaRPr lang="zh-CN" altLang="en-US" dirty="0"/>
           </a:p>
         </p:txBody>
       </p:sp>
@@ -14067,10 +14135,9 @@
           <a:p>
             <a:pPr algn="ctr"/>
             <a:r>
-              <a:rPr lang="zh-CN" altLang="en-US" dirty="0" smtClean="0"/>
+              <a:rPr lang="zh-CN" altLang="en-US" dirty="0"/>
               <a:t>退货</a:t>
             </a:r>
-            <a:endParaRPr lang="zh-CN" altLang="en-US" dirty="0"/>
           </a:p>
         </p:txBody>
       </p:sp>
@@ -14183,13 +14250,6 @@
   <p:clrMapOvr>
     <a:masterClrMapping/>
   </p:clrMapOvr>
-  <p:timing>
-    <p:tnLst>
-      <p:par>
-        <p:cTn id="1" dur="indefinite" restart="never" nodeType="tmRoot"/>
-      </p:par>
-    </p:tnLst>
-  </p:timing>
 </p:sld>
 </file>
 
@@ -14235,7 +14295,7 @@
               <a:rPr lang="en-US" altLang="zh-CN" dirty="0"/>
               <a:t>generalization</a:t>
             </a:r>
-            <a:endParaRPr lang="zh-CN" altLang="en-US" dirty="0" smtClean="0"/>
+            <a:endParaRPr lang="zh-CN" altLang="en-US" dirty="0"/>
           </a:p>
         </p:txBody>
       </p:sp>
@@ -14270,10 +14330,10 @@
               </a:spcBef>
             </a:pPr>
             <a:r>
-              <a:rPr lang="zh-CN" altLang="en-US" b="1" dirty="0" smtClean="0"/>
+              <a:rPr lang="zh-CN" altLang="en-US" b="1" dirty="0"/>
               <a:t>下面的两个用例图是一个意思。但使用泛化更好。</a:t>
             </a:r>
-            <a:endParaRPr lang="en-US" altLang="zh-CN" b="1" dirty="0" smtClean="0"/>
+            <a:endParaRPr lang="en-US" altLang="zh-CN" b="1" dirty="0"/>
           </a:p>
           <a:p>
             <a:pPr marL="0" indent="0">
@@ -14286,13 +14346,13 @@
               <a:buNone/>
             </a:pPr>
             <a:r>
-              <a:rPr lang="zh-CN" altLang="en-US" b="1" dirty="0" smtClean="0">
+              <a:rPr lang="zh-CN" altLang="en-US" b="1" dirty="0">
                 <a:latin typeface="楷体" panose="02010609060101010101" pitchFamily="49" charset="-122"/>
                 <a:ea typeface="楷体" panose="02010609060101010101" pitchFamily="49" charset="-122"/>
               </a:rPr>
               <a:t>              </a:t>
             </a:r>
-            <a:endParaRPr lang="en-US" altLang="zh-CN" b="1" dirty="0" smtClean="0">
+            <a:endParaRPr lang="en-US" altLang="zh-CN" b="1" dirty="0">
               <a:latin typeface="楷体" panose="02010609060101010101" pitchFamily="49" charset="-122"/>
               <a:ea typeface="楷体" panose="02010609060101010101" pitchFamily="49" charset="-122"/>
             </a:endParaRPr>
@@ -14308,13 +14368,13 @@
               <a:buNone/>
             </a:pPr>
             <a:r>
-              <a:rPr lang="zh-CN" altLang="en-US" b="1" dirty="0" smtClean="0">
+              <a:rPr lang="zh-CN" altLang="en-US" b="1" dirty="0">
                 <a:latin typeface="楷体" panose="02010609060101010101" pitchFamily="49" charset="-122"/>
                 <a:ea typeface="楷体" panose="02010609060101010101" pitchFamily="49" charset="-122"/>
               </a:rPr>
               <a:t>          普通设计                              泛化设计</a:t>
             </a:r>
-            <a:endParaRPr lang="en-US" altLang="zh-CN" b="1" dirty="0" smtClean="0">
+            <a:endParaRPr lang="en-US" altLang="zh-CN" b="1" dirty="0">
               <a:latin typeface="楷体" panose="02010609060101010101" pitchFamily="49" charset="-122"/>
               <a:ea typeface="楷体" panose="02010609060101010101" pitchFamily="49" charset="-122"/>
             </a:endParaRPr>
@@ -14766,10 +14826,9 @@
             <a:p>
               <a:pPr algn="ctr"/>
               <a:r>
-                <a:rPr lang="zh-CN" altLang="en-US" dirty="0" smtClean="0"/>
+                <a:rPr lang="zh-CN" altLang="en-US" dirty="0"/>
                 <a:t>值班经理</a:t>
               </a:r>
-              <a:endParaRPr lang="zh-CN" altLang="en-US" dirty="0"/>
             </a:p>
           </p:txBody>
         </p:sp>
@@ -15674,10 +15733,9 @@
             <a:p>
               <a:pPr algn="ctr"/>
               <a:r>
-                <a:rPr lang="zh-CN" altLang="en-US" dirty="0" smtClean="0"/>
+                <a:rPr lang="zh-CN" altLang="en-US" dirty="0"/>
                 <a:t>值班经理</a:t>
               </a:r>
-              <a:endParaRPr lang="zh-CN" altLang="en-US" dirty="0"/>
             </a:p>
           </p:txBody>
         </p:sp>
@@ -16181,13 +16239,6 @@
   <p:clrMapOvr>
     <a:masterClrMapping/>
   </p:clrMapOvr>
-  <p:timing>
-    <p:tnLst>
-      <p:par>
-        <p:cTn id="1" dur="indefinite" restart="never" nodeType="tmRoot"/>
-      </p:par>
-    </p:tnLst>
-  </p:timing>
 </p:sld>
 </file>
 

--- a/ppt/第7章-用例建模.pptx
+++ b/ppt/第7章-用例建模.pptx
@@ -11712,11 +11712,11 @@
               <a:t>泛化关系（</a:t>
             </a:r>
             <a:r>
-              <a:rPr lang="en-US" altLang="zh-CN" dirty="0"/>
-              <a:t>extend</a:t>
-            </a:r>
-            <a:r>
-              <a:rPr lang="zh-CN" altLang="en-US" dirty="0"/>
+              <a:rPr lang="en-US" altLang="zh-CN"/>
+              <a:t>generalization</a:t>
+            </a:r>
+            <a:r>
+              <a:rPr lang="zh-CN" altLang="en-US"/>
               <a:t>）</a:t>
             </a:r>
             <a:endParaRPr lang="en-US" altLang="zh-CN" dirty="0"/>
